--- a/TED演讲的力量（ERIC）.pptx
+++ b/TED演讲的力量（ERIC）.pptx
@@ -11,9 +11,9 @@
     <p:sldId id="288" r:id="rId2"/>
     <p:sldId id="261" r:id="rId3"/>
     <p:sldId id="260" r:id="rId4"/>
-    <p:sldId id="279" r:id="rId5"/>
-    <p:sldId id="280" r:id="rId6"/>
-    <p:sldId id="281" r:id="rId7"/>
+    <p:sldId id="280" r:id="rId5"/>
+    <p:sldId id="281" r:id="rId6"/>
+    <p:sldId id="295" r:id="rId7"/>
     <p:sldId id="262" r:id="rId8"/>
     <p:sldId id="263" r:id="rId9"/>
     <p:sldId id="264" r:id="rId10"/>
@@ -228,7 +228,7 @@
           <a:p>
             <a:fld id="{5B84FA72-32D0-4640-B7B8-116A073CA220}" type="datetimeFigureOut">
               <a:rPr lang="zh-CN" altLang="en-US" smtClean="0"/>
-              <a:t>2018/10/28</a:t>
+              <a:t>2018/11/4</a:t>
             </a:fld>
             <a:endParaRPr lang="zh-CN" altLang="en-US"/>
           </a:p>
@@ -594,6 +594,176 @@
       </p:grpSpPr>
       <p:sp>
         <p:nvSpPr>
+          <p:cNvPr id="2" name="Slide Image Placeholder 1"/>
+          <p:cNvSpPr>
+            <a:spLocks noGrp="1" noRot="1" noChangeAspect="1"/>
+          </p:cNvSpPr>
+          <p:nvPr>
+            <p:ph type="sldImg"/>
+          </p:nvPr>
+        </p:nvSpPr>
+        <p:spPr>
+          <a:xfrm>
+            <a:off x="3257550" y="514350"/>
+            <a:ext cx="3430588" cy="2571750"/>
+          </a:xfrm>
+        </p:spPr>
+      </p:sp>
+      <p:sp>
+        <p:nvSpPr>
+          <p:cNvPr id="3" name="Notes Placeholder 2"/>
+          <p:cNvSpPr>
+            <a:spLocks noGrp="1"/>
+          </p:cNvSpPr>
+          <p:nvPr>
+            <p:ph type="body" idx="1"/>
+          </p:nvPr>
+        </p:nvSpPr>
+        <p:spPr/>
+        <p:txBody>
+          <a:bodyPr>
+            <a:normAutofit/>
+          </a:bodyPr>
+          <a:lstStyle/>
+          <a:p>
+            <a:endParaRPr lang="en-US" dirty="0"/>
+          </a:p>
+        </p:txBody>
+      </p:sp>
+      <p:sp>
+        <p:nvSpPr>
+          <p:cNvPr id="4" name="Header Placeholder 3"/>
+          <p:cNvSpPr>
+            <a:spLocks noGrp="1"/>
+          </p:cNvSpPr>
+          <p:nvPr>
+            <p:ph type="hdr" sz="quarter" idx="10"/>
+          </p:nvPr>
+        </p:nvSpPr>
+        <p:spPr/>
+        <p:txBody>
+          <a:bodyPr/>
+          <a:lstStyle/>
+          <a:p>
+            <a:r>
+              <a:rPr lang="en-US" dirty="0" smtClean="0"/>
+              <a:t>My First Template</a:t>
+            </a:r>
+            <a:endParaRPr lang="en-US" dirty="0"/>
+          </a:p>
+        </p:txBody>
+      </p:sp>
+    </p:spTree>
+  </p:cSld>
+  <p:clrMapOvr>
+    <a:masterClrMapping/>
+  </p:clrMapOvr>
+</p:notes>
+</file>
+
+<file path=ppt/notesSlides/notesSlide11.xml><?xml version="1.0" encoding="utf-8"?>
+<p:notes xmlns:a="http://schemas.openxmlformats.org/drawingml/2006/main" xmlns:r="http://schemas.openxmlformats.org/officeDocument/2006/relationships" xmlns:p="http://schemas.openxmlformats.org/presentationml/2006/main">
+  <p:cSld>
+    <p:spTree>
+      <p:nvGrpSpPr>
+        <p:cNvPr id="1" name=""/>
+        <p:cNvGrpSpPr/>
+        <p:nvPr/>
+      </p:nvGrpSpPr>
+      <p:grpSpPr>
+        <a:xfrm>
+          <a:off x="0" y="0"/>
+          <a:ext cx="0" cy="0"/>
+          <a:chOff x="0" y="0"/>
+          <a:chExt cx="0" cy="0"/>
+        </a:xfrm>
+      </p:grpSpPr>
+      <p:sp>
+        <p:nvSpPr>
+          <p:cNvPr id="2" name="Slide Image Placeholder 1"/>
+          <p:cNvSpPr>
+            <a:spLocks noGrp="1" noRot="1" noChangeAspect="1"/>
+          </p:cNvSpPr>
+          <p:nvPr>
+            <p:ph type="sldImg"/>
+          </p:nvPr>
+        </p:nvSpPr>
+        <p:spPr>
+          <a:xfrm>
+            <a:off x="1371600" y="1143000"/>
+            <a:ext cx="4114800" cy="3086100"/>
+          </a:xfrm>
+        </p:spPr>
+      </p:sp>
+      <p:sp>
+        <p:nvSpPr>
+          <p:cNvPr id="3" name="Notes Placeholder 2"/>
+          <p:cNvSpPr>
+            <a:spLocks noGrp="1"/>
+          </p:cNvSpPr>
+          <p:nvPr>
+            <p:ph type="body" idx="1"/>
+          </p:nvPr>
+        </p:nvSpPr>
+        <p:spPr/>
+        <p:txBody>
+          <a:bodyPr/>
+          <a:lstStyle/>
+          <a:p>
+            <a:endParaRPr lang="id-ID"/>
+          </a:p>
+        </p:txBody>
+      </p:sp>
+      <p:sp>
+        <p:nvSpPr>
+          <p:cNvPr id="4" name="Slide Number Placeholder 3"/>
+          <p:cNvSpPr>
+            <a:spLocks noGrp="1"/>
+          </p:cNvSpPr>
+          <p:nvPr>
+            <p:ph type="sldNum" sz="quarter" idx="10"/>
+          </p:nvPr>
+        </p:nvSpPr>
+        <p:spPr/>
+        <p:txBody>
+          <a:bodyPr/>
+          <a:lstStyle/>
+          <a:p>
+            <a:fld id="{74D1495A-DD81-44F4-9F54-1F39867BF2D9}" type="slidenum">
+              <a:rPr lang="en-US" smtClean="0"/>
+              <a:t>26</a:t>
+            </a:fld>
+            <a:endParaRPr lang="en-US"/>
+          </a:p>
+        </p:txBody>
+      </p:sp>
+    </p:spTree>
+  </p:cSld>
+  <p:clrMapOvr>
+    <a:masterClrMapping/>
+  </p:clrMapOvr>
+</p:notes>
+</file>
+
+<file path=ppt/notesSlides/notesSlide12.xml><?xml version="1.0" encoding="utf-8"?>
+<p:notes xmlns:a="http://schemas.openxmlformats.org/drawingml/2006/main" xmlns:r="http://schemas.openxmlformats.org/officeDocument/2006/relationships" xmlns:p="http://schemas.openxmlformats.org/presentationml/2006/main">
+  <p:cSld>
+    <p:spTree>
+      <p:nvGrpSpPr>
+        <p:cNvPr id="1" name=""/>
+        <p:cNvGrpSpPr/>
+        <p:nvPr/>
+      </p:nvGrpSpPr>
+      <p:grpSpPr>
+        <a:xfrm>
+          <a:off x="0" y="0"/>
+          <a:ext cx="0" cy="0"/>
+          <a:chOff x="0" y="0"/>
+          <a:chExt cx="0" cy="0"/>
+        </a:xfrm>
+      </p:grpSpPr>
+      <p:sp>
+        <p:nvSpPr>
           <p:cNvPr id="2" name="幻灯片图像占位符 1"/>
           <p:cNvSpPr>
             <a:spLocks noGrp="1" noRot="1" noChangeAspect="1"/>
@@ -856,7 +1026,7 @@
           <a:bodyPr/>
           <a:lstStyle/>
           <a:p>
-            <a:endParaRPr lang="zh-CN" altLang="en-US"/>
+            <a:endParaRPr lang="en-US" altLang="zh-CN" dirty="0" smtClean="0"/>
           </a:p>
         </p:txBody>
       </p:sp>
@@ -875,15 +1045,20 @@
           <a:bodyPr/>
           <a:lstStyle/>
           <a:p>
-            <a:fld id="{418F03C3-53C1-4F10-8DAF-D1F318E96C6E}" type="slidenum">
+            <a:fld id="{62EE22B7-CDAE-408C-B22E-5FE7698D5BA4}" type="slidenum">
               <a:rPr lang="zh-CN" altLang="en-US" smtClean="0"/>
-              <a:t>13</a:t>
+              <a:t>9</a:t>
             </a:fld>
             <a:endParaRPr lang="zh-CN" altLang="en-US"/>
           </a:p>
         </p:txBody>
       </p:sp>
     </p:spTree>
+    <p:extLst>
+      <p:ext uri="{BB962C8B-B14F-4D97-AF65-F5344CB8AC3E}">
+        <p14:creationId xmlns:p14="http://schemas.microsoft.com/office/powerpoint/2010/main" val="972064244"/>
+      </p:ext>
+    </p:extLst>
   </p:cSld>
   <p:clrMapOvr>
     <a:masterClrMapping/>
@@ -935,7 +1110,7 @@
           <a:bodyPr/>
           <a:lstStyle/>
           <a:p>
-            <a:endParaRPr lang="zh-CN" altLang="en-US"/>
+            <a:endParaRPr lang="zh-CN" altLang="en-US" dirty="0"/>
           </a:p>
         </p:txBody>
       </p:sp>
@@ -954,15 +1129,20 @@
           <a:bodyPr/>
           <a:lstStyle/>
           <a:p>
-            <a:fld id="{418F03C3-53C1-4F10-8DAF-D1F318E96C6E}" type="slidenum">
+            <a:fld id="{62EE22B7-CDAE-408C-B22E-5FE7698D5BA4}" type="slidenum">
               <a:rPr lang="zh-CN" altLang="en-US" smtClean="0"/>
-              <a:t>19</a:t>
+              <a:t>10</a:t>
             </a:fld>
             <a:endParaRPr lang="zh-CN" altLang="en-US"/>
           </a:p>
         </p:txBody>
       </p:sp>
     </p:spTree>
+    <p:extLst>
+      <p:ext uri="{BB962C8B-B14F-4D97-AF65-F5344CB8AC3E}">
+        <p14:creationId xmlns:p14="http://schemas.microsoft.com/office/powerpoint/2010/main" val="2574307671"/>
+      </p:ext>
+    </p:extLst>
   </p:cSld>
   <p:clrMapOvr>
     <a:masterClrMapping/>
@@ -1035,7 +1215,7 @@
           <a:p>
             <a:fld id="{418F03C3-53C1-4F10-8DAF-D1F318E96C6E}" type="slidenum">
               <a:rPr lang="zh-CN" altLang="en-US" smtClean="0"/>
-              <a:t>20</a:t>
+              <a:t>13</a:t>
             </a:fld>
             <a:endParaRPr lang="zh-CN" altLang="en-US"/>
           </a:p>
@@ -1114,7 +1294,7 @@
           <a:p>
             <a:fld id="{418F03C3-53C1-4F10-8DAF-D1F318E96C6E}" type="slidenum">
               <a:rPr lang="zh-CN" altLang="en-US" smtClean="0"/>
-              <a:t>24</a:t>
+              <a:t>19</a:t>
             </a:fld>
             <a:endParaRPr lang="zh-CN" altLang="en-US"/>
           </a:p>
@@ -1147,7 +1327,7 @@
       </p:grpSpPr>
       <p:sp>
         <p:nvSpPr>
-          <p:cNvPr id="2" name="Slide Image Placeholder 1"/>
+          <p:cNvPr id="2" name="幻灯片图像占位符 1"/>
           <p:cNvSpPr>
             <a:spLocks noGrp="1" noRot="1" noChangeAspect="1"/>
           </p:cNvSpPr>
@@ -1155,16 +1335,11 @@
             <p:ph type="sldImg"/>
           </p:nvPr>
         </p:nvSpPr>
-        <p:spPr>
-          <a:xfrm>
-            <a:off x="3257550" y="514350"/>
-            <a:ext cx="3430588" cy="2571750"/>
-          </a:xfrm>
-        </p:spPr>
+        <p:spPr/>
       </p:sp>
       <p:sp>
         <p:nvSpPr>
-          <p:cNvPr id="3" name="Notes Placeholder 2"/>
+          <p:cNvPr id="3" name="备注占位符 2"/>
           <p:cNvSpPr>
             <a:spLocks noGrp="1"/>
           </p:cNvSpPr>
@@ -1174,23 +1349,21 @@
         </p:nvSpPr>
         <p:spPr/>
         <p:txBody>
-          <a:bodyPr>
-            <a:normAutofit/>
-          </a:bodyPr>
+          <a:bodyPr/>
           <a:lstStyle/>
           <a:p>
-            <a:endParaRPr lang="en-US" dirty="0"/>
+            <a:endParaRPr lang="zh-CN" altLang="en-US"/>
           </a:p>
         </p:txBody>
       </p:sp>
       <p:sp>
         <p:nvSpPr>
-          <p:cNvPr id="4" name="Header Placeholder 3"/>
+          <p:cNvPr id="4" name="灯片编号占位符 3"/>
           <p:cNvSpPr>
             <a:spLocks noGrp="1"/>
           </p:cNvSpPr>
           <p:nvPr>
-            <p:ph type="hdr" sz="quarter" idx="10"/>
+            <p:ph type="sldNum" sz="quarter" idx="10"/>
           </p:nvPr>
         </p:nvSpPr>
         <p:spPr/>
@@ -1198,11 +1371,11 @@
           <a:bodyPr/>
           <a:lstStyle/>
           <a:p>
-            <a:r>
-              <a:rPr lang="en-US" dirty="0" smtClean="0"/>
-              <a:t>My First Template</a:t>
-            </a:r>
-            <a:endParaRPr lang="en-US" dirty="0"/>
+            <a:fld id="{418F03C3-53C1-4F10-8DAF-D1F318E96C6E}" type="slidenum">
+              <a:rPr lang="zh-CN" altLang="en-US" smtClean="0"/>
+              <a:t>20</a:t>
+            </a:fld>
+            <a:endParaRPr lang="zh-CN" altLang="en-US"/>
           </a:p>
         </p:txBody>
       </p:sp>
@@ -1233,7 +1406,7 @@
       </p:grpSpPr>
       <p:sp>
         <p:nvSpPr>
-          <p:cNvPr id="2" name="Slide Image Placeholder 1"/>
+          <p:cNvPr id="2" name="幻灯片图像占位符 1"/>
           <p:cNvSpPr>
             <a:spLocks noGrp="1" noRot="1" noChangeAspect="1"/>
           </p:cNvSpPr>
@@ -1241,16 +1414,11 @@
             <p:ph type="sldImg"/>
           </p:nvPr>
         </p:nvSpPr>
-        <p:spPr>
-          <a:xfrm>
-            <a:off x="1371600" y="1143000"/>
-            <a:ext cx="4114800" cy="3086100"/>
-          </a:xfrm>
-        </p:spPr>
+        <p:spPr/>
       </p:sp>
       <p:sp>
         <p:nvSpPr>
-          <p:cNvPr id="3" name="Notes Placeholder 2"/>
+          <p:cNvPr id="3" name="备注占位符 2"/>
           <p:cNvSpPr>
             <a:spLocks noGrp="1"/>
           </p:cNvSpPr>
@@ -1263,13 +1431,13 @@
           <a:bodyPr/>
           <a:lstStyle/>
           <a:p>
-            <a:endParaRPr lang="id-ID"/>
+            <a:endParaRPr lang="zh-CN" altLang="en-US"/>
           </a:p>
         </p:txBody>
       </p:sp>
       <p:sp>
         <p:nvSpPr>
-          <p:cNvPr id="4" name="Slide Number Placeholder 3"/>
+          <p:cNvPr id="4" name="灯片编号占位符 3"/>
           <p:cNvSpPr>
             <a:spLocks noGrp="1"/>
           </p:cNvSpPr>
@@ -1282,11 +1450,11 @@
           <a:bodyPr/>
           <a:lstStyle/>
           <a:p>
-            <a:fld id="{74D1495A-DD81-44F4-9F54-1F39867BF2D9}" type="slidenum">
-              <a:rPr lang="en-US" smtClean="0"/>
-              <a:t>26</a:t>
+            <a:fld id="{418F03C3-53C1-4F10-8DAF-D1F318E96C6E}" type="slidenum">
+              <a:rPr lang="zh-CN" altLang="en-US" smtClean="0"/>
+              <a:t>24</a:t>
             </a:fld>
-            <a:endParaRPr lang="en-US"/>
+            <a:endParaRPr lang="zh-CN" altLang="en-US"/>
           </a:p>
         </p:txBody>
       </p:sp>
@@ -1479,7 +1647,7 @@
           <a:p>
             <a:fld id="{530820CF-B880-4189-942D-D702A7CBA730}" type="datetimeFigureOut">
               <a:rPr lang="zh-CN" altLang="en-US" smtClean="0"/>
-              <a:t>2018/10/28</a:t>
+              <a:t>2018/11/4</a:t>
             </a:fld>
             <a:endParaRPr lang="zh-CN" altLang="en-US"/>
           </a:p>
@@ -1644,7 +1812,7 @@
           <a:p>
             <a:fld id="{530820CF-B880-4189-942D-D702A7CBA730}" type="datetimeFigureOut">
               <a:rPr lang="zh-CN" altLang="en-US" smtClean="0"/>
-              <a:t>2018/10/28</a:t>
+              <a:t>2018/11/4</a:t>
             </a:fld>
             <a:endParaRPr lang="zh-CN" altLang="en-US"/>
           </a:p>
@@ -1819,7 +1987,7 @@
           <a:p>
             <a:fld id="{530820CF-B880-4189-942D-D702A7CBA730}" type="datetimeFigureOut">
               <a:rPr lang="zh-CN" altLang="en-US" smtClean="0"/>
-              <a:t>2018/10/28</a:t>
+              <a:t>2018/11/4</a:t>
             </a:fld>
             <a:endParaRPr lang="zh-CN" altLang="en-US"/>
           </a:p>
@@ -2021,7 +2189,7 @@
           <a:p>
             <a:fld id="{530820CF-B880-4189-942D-D702A7CBA730}" type="datetimeFigureOut">
               <a:rPr lang="zh-CN" altLang="en-US" smtClean="0"/>
-              <a:t>2018/10/28</a:t>
+              <a:t>2018/11/4</a:t>
             </a:fld>
             <a:endParaRPr lang="zh-CN" altLang="en-US"/>
           </a:p>
@@ -2262,7 +2430,7 @@
           <a:p>
             <a:fld id="{530820CF-B880-4189-942D-D702A7CBA730}" type="datetimeFigureOut">
               <a:rPr lang="zh-CN" altLang="en-US" smtClean="0"/>
-              <a:t>2018/10/28</a:t>
+              <a:t>2018/11/4</a:t>
             </a:fld>
             <a:endParaRPr lang="zh-CN" altLang="en-US"/>
           </a:p>
@@ -2545,7 +2713,7 @@
           <a:p>
             <a:fld id="{530820CF-B880-4189-942D-D702A7CBA730}" type="datetimeFigureOut">
               <a:rPr lang="zh-CN" altLang="en-US" smtClean="0"/>
-              <a:t>2018/10/28</a:t>
+              <a:t>2018/11/4</a:t>
             </a:fld>
             <a:endParaRPr lang="zh-CN" altLang="en-US"/>
           </a:p>
@@ -2962,7 +3130,7 @@
           <a:p>
             <a:fld id="{530820CF-B880-4189-942D-D702A7CBA730}" type="datetimeFigureOut">
               <a:rPr lang="zh-CN" altLang="en-US" smtClean="0"/>
-              <a:t>2018/10/28</a:t>
+              <a:t>2018/11/4</a:t>
             </a:fld>
             <a:endParaRPr lang="zh-CN" altLang="en-US"/>
           </a:p>
@@ -3075,7 +3243,7 @@
           <a:p>
             <a:fld id="{530820CF-B880-4189-942D-D702A7CBA730}" type="datetimeFigureOut">
               <a:rPr lang="zh-CN" altLang="en-US" smtClean="0"/>
-              <a:t>2018/10/28</a:t>
+              <a:t>2018/11/4</a:t>
             </a:fld>
             <a:endParaRPr lang="zh-CN" altLang="en-US"/>
           </a:p>
@@ -3165,7 +3333,7 @@
           <a:p>
             <a:fld id="{530820CF-B880-4189-942D-D702A7CBA730}" type="datetimeFigureOut">
               <a:rPr lang="zh-CN" altLang="en-US" smtClean="0"/>
-              <a:t>2018/10/28</a:t>
+              <a:t>2018/11/4</a:t>
             </a:fld>
             <a:endParaRPr lang="zh-CN" altLang="en-US"/>
           </a:p>
@@ -3437,7 +3605,7 @@
           <a:p>
             <a:fld id="{530820CF-B880-4189-942D-D702A7CBA730}" type="datetimeFigureOut">
               <a:rPr lang="zh-CN" altLang="en-US" smtClean="0"/>
-              <a:t>2018/10/28</a:t>
+              <a:t>2018/11/4</a:t>
             </a:fld>
             <a:endParaRPr lang="zh-CN" altLang="en-US"/>
           </a:p>
@@ -3685,7 +3853,7 @@
           <a:p>
             <a:fld id="{530820CF-B880-4189-942D-D702A7CBA730}" type="datetimeFigureOut">
               <a:rPr lang="zh-CN" altLang="en-US" smtClean="0"/>
-              <a:t>2018/10/28</a:t>
+              <a:t>2018/11/4</a:t>
             </a:fld>
             <a:endParaRPr lang="zh-CN" altLang="en-US"/>
           </a:p>
@@ -3893,7 +4061,7 @@
           <a:p>
             <a:fld id="{530820CF-B880-4189-942D-D702A7CBA730}" type="datetimeFigureOut">
               <a:rPr lang="zh-CN" altLang="en-US" smtClean="0"/>
-              <a:t>2018/10/28</a:t>
+              <a:t>2018/11/4</a:t>
             </a:fld>
             <a:endParaRPr lang="zh-CN" altLang="en-US"/>
           </a:p>
@@ -4509,7 +4677,7 @@
           <p:nvPr/>
         </p:nvPicPr>
         <p:blipFill>
-          <a:blip r:embed="rId2">
+          <a:blip r:embed="rId3">
             <a:extLst>
               <a:ext uri="{28A0092B-C50C-407E-A947-70E740481C1C}">
                 <a14:useLocalDpi xmlns:a14="http://schemas.microsoft.com/office/drawing/2010/main" val="0"/>
@@ -4522,7 +4690,7 @@
         </p:blipFill>
         <p:spPr>
           <a:xfrm>
-            <a:off x="3388432" y="1272835"/>
+            <a:off x="3388432" y="980728"/>
             <a:ext cx="2693441" cy="2653637"/>
           </a:xfrm>
           <a:prstGeom prst="rect">
@@ -4538,7 +4706,7 @@
         </p:nvSpPr>
         <p:spPr>
           <a:xfrm>
-            <a:off x="2051720" y="4132316"/>
+            <a:off x="2051720" y="3645024"/>
             <a:ext cx="5616624" cy="1384995"/>
           </a:xfrm>
           <a:prstGeom prst="rect">
@@ -4616,7 +4784,20 @@
                 <a:latin typeface="华文楷体" panose="02010600040101010101" pitchFamily="2" charset="-122"/>
                 <a:ea typeface="华文楷体" panose="02010600040101010101" pitchFamily="2" charset="-122"/>
               </a:rPr>
-              <a:t>毛主席：农村包围城市</a:t>
+              <a:t>毛主席：农村包围</a:t>
+            </a:r>
+            <a:r>
+              <a:rPr lang="zh-CN" altLang="en-US" sz="2800" b="1" dirty="0" smtClean="0">
+                <a:solidFill>
+                  <a:schemeClr val="tx2">
+                    <a:lumMod val="60000"/>
+                    <a:lumOff val="40000"/>
+                  </a:schemeClr>
+                </a:solidFill>
+                <a:latin typeface="华文楷体" panose="02010600040101010101" pitchFamily="2" charset="-122"/>
+                <a:ea typeface="华文楷体" panose="02010600040101010101" pitchFamily="2" charset="-122"/>
+              </a:rPr>
+              <a:t>城市</a:t>
             </a:r>
             <a:endParaRPr lang="en-US" altLang="zh-CN" sz="2800" b="1" dirty="0" smtClean="0">
               <a:solidFill>
@@ -5240,9 +5421,9 @@
         <p:grpSpPr>
           <a:xfrm>
             <a:off x="491314" y="662614"/>
-            <a:ext cx="6707944" cy="1289708"/>
+            <a:ext cx="6707944" cy="1582096"/>
             <a:chOff x="1630710" y="952178"/>
-            <a:chExt cx="9433046" cy="1360164"/>
+            <a:chExt cx="9433046" cy="1668525"/>
           </a:xfrm>
         </p:grpSpPr>
         <p:sp>
@@ -5254,7 +5435,7 @@
           <p:spPr>
             <a:xfrm>
               <a:off x="2454151" y="981522"/>
-              <a:ext cx="8609605" cy="1330820"/>
+              <a:ext cx="8609605" cy="1639181"/>
             </a:xfrm>
             <a:prstGeom prst="rect">
               <a:avLst/>
@@ -5287,7 +5468,67 @@
                   <a:latin typeface="微软雅黑" panose="020B0503020204020204" pitchFamily="34" charset="-122"/>
                   <a:ea typeface="微软雅黑" panose="020B0503020204020204" pitchFamily="34" charset="-122"/>
                 </a:rPr>
-                <a:t>任何可以改变大家对于世界认识的想法的都可以被称之为思想。舞台上所有的东西都是为思想服务的，而思想又是为听众服务的，演讲者个人在这里面一点都不重要，要从听众的角度来理解演讲。</a:t>
+                <a:t>任何可以改变大家对于世界认识的想法的都可以被称之为思想</a:t>
+              </a:r>
+              <a:r>
+                <a:rPr lang="zh-CN" altLang="en-US" sz="1900" kern="0" dirty="0" smtClean="0">
+                  <a:solidFill>
+                    <a:srgbClr val="00C4F0"/>
+                  </a:solidFill>
+                  <a:latin typeface="微软雅黑" panose="020B0503020204020204" pitchFamily="34" charset="-122"/>
+                  <a:ea typeface="微软雅黑" panose="020B0503020204020204" pitchFamily="34" charset="-122"/>
+                </a:rPr>
+                <a:t>。</a:t>
+              </a:r>
+              <a:endParaRPr lang="en-US" altLang="zh-CN" sz="1900" kern="0" dirty="0" smtClean="0">
+                <a:solidFill>
+                  <a:srgbClr val="00C4F0"/>
+                </a:solidFill>
+                <a:latin typeface="微软雅黑" panose="020B0503020204020204" pitchFamily="34" charset="-122"/>
+                <a:ea typeface="微软雅黑" panose="020B0503020204020204" pitchFamily="34" charset="-122"/>
+              </a:endParaRPr>
+            </a:p>
+            <a:p>
+              <a:pPr defTabSz="970465"/>
+              <a:r>
+                <a:rPr lang="en-US" altLang="zh-CN" sz="1900" kern="0" dirty="0">
+                  <a:solidFill>
+                    <a:srgbClr val="00C4F0"/>
+                  </a:solidFill>
+                  <a:latin typeface="微软雅黑" panose="020B0503020204020204" pitchFamily="34" charset="-122"/>
+                  <a:ea typeface="微软雅黑" panose="020B0503020204020204" pitchFamily="34" charset="-122"/>
+                </a:rPr>
+                <a:t> </a:t>
+              </a:r>
+              <a:r>
+                <a:rPr lang="en-US" altLang="zh-CN" sz="1900" kern="0" dirty="0" smtClean="0">
+                  <a:solidFill>
+                    <a:srgbClr val="00C4F0"/>
+                  </a:solidFill>
+                  <a:latin typeface="微软雅黑" panose="020B0503020204020204" pitchFamily="34" charset="-122"/>
+                  <a:ea typeface="微软雅黑" panose="020B0503020204020204" pitchFamily="34" charset="-122"/>
+                </a:rPr>
+                <a:t>        </a:t>
+              </a:r>
+              <a:r>
+                <a:rPr lang="zh-CN" altLang="en-US" sz="1900" kern="0" dirty="0" smtClean="0">
+                  <a:solidFill>
+                    <a:srgbClr val="00C4F0"/>
+                  </a:solidFill>
+                  <a:latin typeface="微软雅黑" panose="020B0503020204020204" pitchFamily="34" charset="-122"/>
+                  <a:ea typeface="微软雅黑" panose="020B0503020204020204" pitchFamily="34" charset="-122"/>
+                </a:rPr>
+                <a:t>舞台</a:t>
+              </a:r>
+              <a:r>
+                <a:rPr lang="zh-CN" altLang="en-US" sz="1900" kern="0" dirty="0">
+                  <a:solidFill>
+                    <a:srgbClr val="00C4F0"/>
+                  </a:solidFill>
+                  <a:latin typeface="微软雅黑" panose="020B0503020204020204" pitchFamily="34" charset="-122"/>
+                  <a:ea typeface="微软雅黑" panose="020B0503020204020204" pitchFamily="34" charset="-122"/>
+                </a:rPr>
+                <a:t>上所有的东西都是为思想服务的，而思想又是为听众服务的，演讲者个人在这里面一点都不重要，要从听众的角度来理解演讲。</a:t>
               </a:r>
             </a:p>
           </p:txBody>
@@ -5351,8 +5592,8 @@
         </p:blipFill>
         <p:spPr>
           <a:xfrm>
-            <a:off x="70443" y="2602307"/>
-            <a:ext cx="2570254" cy="2452984"/>
+            <a:off x="849618" y="2602306"/>
+            <a:ext cx="2714270" cy="2590429"/>
           </a:xfrm>
           <a:prstGeom prst="pentagon">
             <a:avLst/>
@@ -5367,8 +5608,8 @@
         </p:nvSpPr>
         <p:spPr>
           <a:xfrm>
-            <a:off x="897241" y="5461111"/>
-            <a:ext cx="796092" cy="594882"/>
+            <a:off x="1676416" y="5055292"/>
+            <a:ext cx="1010464" cy="1326036"/>
           </a:xfrm>
           <a:prstGeom prst="rect">
             <a:avLst/>
@@ -5579,8 +5820,8 @@
         </p:blipFill>
         <p:spPr>
           <a:xfrm>
-            <a:off x="5073226" y="2602307"/>
-            <a:ext cx="2125924" cy="2418062"/>
+            <a:off x="5004048" y="2420888"/>
+            <a:ext cx="2520280" cy="2866609"/>
           </a:xfrm>
           <a:prstGeom prst="wedgeRoundRectCallout">
             <a:avLst/>
@@ -5595,7 +5836,7 @@
         </p:nvSpPr>
         <p:spPr>
           <a:xfrm>
-            <a:off x="5152700" y="5730254"/>
+            <a:off x="5333862" y="5730254"/>
             <a:ext cx="1754745" cy="325740"/>
           </a:xfrm>
           <a:prstGeom prst="rect">
@@ -6333,7 +6574,7 @@
         </p:nvSpPr>
         <p:spPr bwMode="auto">
           <a:xfrm>
-            <a:off x="981252" y="1040136"/>
+            <a:off x="981252" y="764704"/>
             <a:ext cx="380436" cy="505770"/>
           </a:xfrm>
           <a:prstGeom prst="ellipse">
@@ -24163,863 +24404,6 @@
           <a:chExt cx="0" cy="0"/>
         </a:xfrm>
       </p:grpSpPr>
-      <p:sp>
-        <p:nvSpPr>
-          <p:cNvPr id="18" name="文本框 10"/>
-          <p:cNvSpPr txBox="1">
-            <a:spLocks noChangeArrowheads="1"/>
-          </p:cNvSpPr>
-          <p:nvPr/>
-        </p:nvSpPr>
-        <p:spPr bwMode="auto">
-          <a:xfrm>
-            <a:off x="2481281" y="283565"/>
-            <a:ext cx="4034935" cy="368489"/>
-          </a:xfrm>
-          <a:prstGeom prst="rect">
-            <a:avLst/>
-          </a:prstGeom>
-          <a:noFill/>
-          <a:ln>
-            <a:noFill/>
-          </a:ln>
-          <a:extLst>
-            <a:ext uri="{909E8E84-426E-40DD-AFC4-6F175D3DCCD1}">
-              <a14:hiddenFill xmlns:a14="http://schemas.microsoft.com/office/drawing/2010/main">
-                <a:solidFill>
-                  <a:srgbClr val="FFFFFF"/>
-                </a:solidFill>
-              </a14:hiddenFill>
-            </a:ext>
-            <a:ext uri="{91240B29-F687-4F45-9708-019B960494DF}">
-              <a14:hiddenLine xmlns:a14="http://schemas.microsoft.com/office/drawing/2010/main" w="9525">
-                <a:solidFill>
-                  <a:srgbClr val="000000"/>
-                </a:solidFill>
-                <a:miter lim="800000"/>
-                <a:headEnd/>
-                <a:tailEnd/>
-              </a14:hiddenLine>
-            </a:ext>
-          </a:extLst>
-        </p:spPr>
-        <p:txBody>
-          <a:bodyPr anchor="ctr"/>
-          <a:lstStyle/>
-          <a:p>
-            <a:pPr algn="ctr" eaLnBrk="0" hangingPunct="0"/>
-            <a:r>
-              <a:rPr lang="zh-CN" altLang="en-US" sz="3200" b="1" dirty="0" smtClean="0">
-                <a:latin typeface="华文楷体" panose="02010600040101010101" pitchFamily="2" charset="-122"/>
-                <a:ea typeface="华文楷体" panose="02010600040101010101" pitchFamily="2" charset="-122"/>
-              </a:rPr>
-              <a:t>为什么要会演讲</a:t>
-            </a:r>
-            <a:endParaRPr lang="zh-CN" altLang="en-US" sz="3200" b="1" dirty="0">
-              <a:latin typeface="华文楷体" panose="02010600040101010101" pitchFamily="2" charset="-122"/>
-              <a:ea typeface="华文楷体" panose="02010600040101010101" pitchFamily="2" charset="-122"/>
-            </a:endParaRPr>
-          </a:p>
-        </p:txBody>
-      </p:sp>
-      <p:cxnSp>
-        <p:nvCxnSpPr>
-          <p:cNvPr id="19" name="直接连接符 12"/>
-          <p:cNvCxnSpPr>
-            <a:cxnSpLocks noChangeShapeType="1"/>
-          </p:cNvCxnSpPr>
-          <p:nvPr/>
-        </p:nvCxnSpPr>
-        <p:spPr bwMode="auto">
-          <a:xfrm>
-            <a:off x="2927443" y="776304"/>
-            <a:ext cx="3469946" cy="3560"/>
-          </a:xfrm>
-          <a:prstGeom prst="line">
-            <a:avLst/>
-          </a:prstGeom>
-          <a:noFill/>
-          <a:ln w="38100">
-            <a:solidFill>
-              <a:srgbClr val="ACAEB0"/>
-            </a:solidFill>
-            <a:round/>
-            <a:headEnd/>
-            <a:tailEnd/>
-          </a:ln>
-          <a:extLst>
-            <a:ext uri="{909E8E84-426E-40DD-AFC4-6F175D3DCCD1}">
-              <a14:hiddenFill xmlns:a14="http://schemas.microsoft.com/office/drawing/2010/main">
-                <a:noFill/>
-              </a14:hiddenFill>
-            </a:ext>
-          </a:extLst>
-        </p:spPr>
-      </p:cxnSp>
-      <p:pic>
-        <p:nvPicPr>
-          <p:cNvPr id="8" name="图片 7"/>
-          <p:cNvPicPr>
-            <a:picLocks noChangeAspect="1"/>
-          </p:cNvPicPr>
-          <p:nvPr/>
-        </p:nvPicPr>
-        <p:blipFill>
-          <a:blip r:embed="rId2">
-            <a:extLst>
-              <a:ext uri="{28A0092B-C50C-407E-A947-70E740481C1C}">
-                <a14:useLocalDpi xmlns:a14="http://schemas.microsoft.com/office/drawing/2010/main" val="0"/>
-              </a:ext>
-            </a:extLst>
-          </a:blip>
-          <a:stretch>
-            <a:fillRect/>
-          </a:stretch>
-        </p:blipFill>
-        <p:spPr>
-          <a:xfrm>
-            <a:off x="1437559" y="2770308"/>
-            <a:ext cx="2253172" cy="1955133"/>
-          </a:xfrm>
-          <a:prstGeom prst="rect">
-            <a:avLst/>
-          </a:prstGeom>
-        </p:spPr>
-      </p:pic>
-      <p:pic>
-        <p:nvPicPr>
-          <p:cNvPr id="10" name="图片 9"/>
-          <p:cNvPicPr>
-            <a:picLocks noChangeAspect="1"/>
-          </p:cNvPicPr>
-          <p:nvPr/>
-        </p:nvPicPr>
-        <p:blipFill>
-          <a:blip r:embed="rId3">
-            <a:extLst>
-              <a:ext uri="{28A0092B-C50C-407E-A947-70E740481C1C}">
-                <a14:useLocalDpi xmlns:a14="http://schemas.microsoft.com/office/drawing/2010/main" val="0"/>
-              </a:ext>
-            </a:extLst>
-          </a:blip>
-          <a:stretch>
-            <a:fillRect/>
-          </a:stretch>
-        </p:blipFill>
-        <p:spPr>
-          <a:xfrm>
-            <a:off x="4037629" y="1851624"/>
-            <a:ext cx="1766333" cy="2179832"/>
-          </a:xfrm>
-          <a:prstGeom prst="rect">
-            <a:avLst/>
-          </a:prstGeom>
-        </p:spPr>
-      </p:pic>
-      <p:sp>
-        <p:nvSpPr>
-          <p:cNvPr id="26" name="文本框 25"/>
-          <p:cNvSpPr txBox="1"/>
-          <p:nvPr/>
-        </p:nvSpPr>
-        <p:spPr>
-          <a:xfrm>
-            <a:off x="1029510" y="1969676"/>
-            <a:ext cx="2894418" cy="523220"/>
-          </a:xfrm>
-          <a:prstGeom prst="rect">
-            <a:avLst/>
-          </a:prstGeom>
-          <a:noFill/>
-          <a:ln w="38100">
-            <a:solidFill>
-              <a:schemeClr val="bg1"/>
-            </a:solidFill>
-          </a:ln>
-        </p:spPr>
-        <p:txBody>
-          <a:bodyPr wrap="square" rtlCol="0">
-            <a:spAutoFit/>
-          </a:bodyPr>
-          <a:lstStyle/>
-          <a:p>
-            <a:r>
-              <a:rPr lang="zh-CN" altLang="en-US" sz="2800" b="1" dirty="0" smtClean="0"/>
-              <a:t>演讲就是竞争力</a:t>
-            </a:r>
-            <a:endParaRPr lang="zh-CN" altLang="en-US" sz="2800" b="1" dirty="0"/>
-          </a:p>
-        </p:txBody>
-      </p:sp>
-      <p:sp>
-        <p:nvSpPr>
-          <p:cNvPr id="30" name="文本框 29"/>
-          <p:cNvSpPr txBox="1"/>
-          <p:nvPr/>
-        </p:nvSpPr>
-        <p:spPr>
-          <a:xfrm>
-            <a:off x="3729700" y="4199568"/>
-            <a:ext cx="2354468" cy="523220"/>
-          </a:xfrm>
-          <a:prstGeom prst="rect">
-            <a:avLst/>
-          </a:prstGeom>
-          <a:noFill/>
-          <a:ln w="38100">
-            <a:solidFill>
-              <a:schemeClr val="bg1"/>
-            </a:solidFill>
-          </a:ln>
-        </p:spPr>
-        <p:txBody>
-          <a:bodyPr wrap="square" rtlCol="0">
-            <a:spAutoFit/>
-          </a:bodyPr>
-          <a:lstStyle/>
-          <a:p>
-            <a:r>
-              <a:rPr lang="zh-CN" altLang="en-US" sz="2800" b="1" dirty="0" smtClean="0"/>
-              <a:t>演讲就是工具</a:t>
-            </a:r>
-            <a:endParaRPr lang="zh-CN" altLang="en-US" sz="2800" b="1" dirty="0"/>
-          </a:p>
-        </p:txBody>
-      </p:sp>
-      <p:sp>
-        <p:nvSpPr>
-          <p:cNvPr id="31" name="文本框 30"/>
-          <p:cNvSpPr txBox="1"/>
-          <p:nvPr/>
-        </p:nvSpPr>
-        <p:spPr>
-          <a:xfrm>
-            <a:off x="3690730" y="4821605"/>
-            <a:ext cx="3883777" cy="954107"/>
-          </a:xfrm>
-          <a:prstGeom prst="rect">
-            <a:avLst/>
-          </a:prstGeom>
-          <a:noFill/>
-        </p:spPr>
-        <p:txBody>
-          <a:bodyPr wrap="square" rtlCol="0">
-            <a:spAutoFit/>
-          </a:bodyPr>
-          <a:lstStyle/>
-          <a:p>
-            <a:pPr>
-              <a:spcBef>
-                <a:spcPct val="20000"/>
-              </a:spcBef>
-            </a:pPr>
-            <a:r>
-              <a:rPr lang="zh-CN" altLang="en-US" sz="2800" b="1" i="1" dirty="0" smtClean="0">
-                <a:solidFill>
-                  <a:schemeClr val="bg1"/>
-                </a:solidFill>
-                <a:latin typeface="华文楷体" panose="02010600040101010101" pitchFamily="2" charset="-122"/>
-                <a:ea typeface="华文楷体" panose="02010600040101010101" pitchFamily="2" charset="-122"/>
-              </a:rPr>
-              <a:t>天天在外喝酒，我们不要过了</a:t>
-            </a:r>
-            <a:endParaRPr lang="zh-CN" altLang="en-US" sz="2800" b="1" i="1" dirty="0">
-              <a:solidFill>
-                <a:schemeClr val="bg1"/>
-              </a:solidFill>
-              <a:latin typeface="华文楷体" panose="02010600040101010101" pitchFamily="2" charset="-122"/>
-              <a:ea typeface="华文楷体" panose="02010600040101010101" pitchFamily="2" charset="-122"/>
-            </a:endParaRPr>
-          </a:p>
-        </p:txBody>
-      </p:sp>
-      <p:pic>
-        <p:nvPicPr>
-          <p:cNvPr id="32" name="图片 7171" descr="演讲2"/>
-          <p:cNvPicPr>
-            <a:picLocks noChangeAspect="1" noChangeArrowheads="1"/>
-          </p:cNvPicPr>
-          <p:nvPr/>
-        </p:nvPicPr>
-        <p:blipFill>
-          <a:blip r:embed="rId4">
-            <a:extLst>
-              <a:ext uri="{28A0092B-C50C-407E-A947-70E740481C1C}">
-                <a14:useLocalDpi xmlns:a14="http://schemas.microsoft.com/office/drawing/2010/main" val="0"/>
-              </a:ext>
-            </a:extLst>
-          </a:blip>
-          <a:srcRect/>
-          <a:stretch>
-            <a:fillRect/>
-          </a:stretch>
-        </p:blipFill>
-        <p:spPr bwMode="auto">
-          <a:xfrm>
-            <a:off x="6202064" y="2404340"/>
-            <a:ext cx="1811551" cy="3204104"/>
-          </a:xfrm>
-          <a:prstGeom prst="rect">
-            <a:avLst/>
-          </a:prstGeom>
-          <a:noFill/>
-          <a:ln>
-            <a:noFill/>
-          </a:ln>
-          <a:extLst>
-            <a:ext uri="{909E8E84-426E-40DD-AFC4-6F175D3DCCD1}">
-              <a14:hiddenFill xmlns:a14="http://schemas.microsoft.com/office/drawing/2010/main">
-                <a:solidFill>
-                  <a:srgbClr val="FFFFFF"/>
-                </a:solidFill>
-              </a14:hiddenFill>
-            </a:ext>
-            <a:ext uri="{91240B29-F687-4F45-9708-019B960494DF}">
-              <a14:hiddenLine xmlns:a14="http://schemas.microsoft.com/office/drawing/2010/main" w="9525">
-                <a:solidFill>
-                  <a:srgbClr val="000000"/>
-                </a:solidFill>
-                <a:miter lim="800000"/>
-                <a:headEnd/>
-                <a:tailEnd/>
-              </a14:hiddenLine>
-            </a:ext>
-          </a:extLst>
-        </p:spPr>
-      </p:pic>
-      <p:sp>
-        <p:nvSpPr>
-          <p:cNvPr id="43" name="矩形 6"/>
-          <p:cNvSpPr>
-            <a:spLocks noChangeArrowheads="1"/>
-          </p:cNvSpPr>
-          <p:nvPr/>
-        </p:nvSpPr>
-        <p:spPr bwMode="auto">
-          <a:xfrm>
-            <a:off x="13777" y="4282636"/>
-            <a:ext cx="994145" cy="799908"/>
-          </a:xfrm>
-          <a:prstGeom prst="rect">
-            <a:avLst/>
-          </a:prstGeom>
-          <a:solidFill>
-            <a:schemeClr val="bg1">
-              <a:alpha val="59999"/>
-            </a:schemeClr>
-          </a:solidFill>
-          <a:ln>
-            <a:noFill/>
-          </a:ln>
-        </p:spPr>
-        <p:txBody>
-          <a:bodyPr anchor="ctr"/>
-          <a:lstStyle/>
-          <a:p>
-            <a:pPr algn="ctr" eaLnBrk="0" hangingPunct="0">
-              <a:lnSpc>
-                <a:spcPct val="150000"/>
-              </a:lnSpc>
-            </a:pPr>
-            <a:endParaRPr lang="zh-CN" altLang="en-US">
-              <a:solidFill>
-                <a:srgbClr val="FFFFFF"/>
-              </a:solidFill>
-              <a:latin typeface="宋体" panose="02010600030101010101" pitchFamily="2" charset="-122"/>
-              <a:sym typeface="宋体" panose="02010600030101010101" pitchFamily="2" charset="-122"/>
-            </a:endParaRPr>
-          </a:p>
-        </p:txBody>
-      </p:sp>
-      <p:sp>
-        <p:nvSpPr>
-          <p:cNvPr id="44" name="矩形 6"/>
-          <p:cNvSpPr>
-            <a:spLocks noChangeArrowheads="1"/>
-          </p:cNvSpPr>
-          <p:nvPr/>
-        </p:nvSpPr>
-        <p:spPr bwMode="auto">
-          <a:xfrm>
-            <a:off x="9688" y="3435168"/>
-            <a:ext cx="994145" cy="799908"/>
-          </a:xfrm>
-          <a:prstGeom prst="rect">
-            <a:avLst/>
-          </a:prstGeom>
-          <a:solidFill>
-            <a:schemeClr val="bg1">
-              <a:alpha val="59999"/>
-            </a:schemeClr>
-          </a:solidFill>
-          <a:ln>
-            <a:noFill/>
-          </a:ln>
-        </p:spPr>
-        <p:txBody>
-          <a:bodyPr anchor="ctr"/>
-          <a:lstStyle/>
-          <a:p>
-            <a:pPr algn="ctr" eaLnBrk="0" hangingPunct="0">
-              <a:lnSpc>
-                <a:spcPct val="150000"/>
-              </a:lnSpc>
-            </a:pPr>
-            <a:endParaRPr lang="zh-CN" altLang="en-US">
-              <a:solidFill>
-                <a:srgbClr val="FFFFFF"/>
-              </a:solidFill>
-              <a:latin typeface="宋体" panose="02010600030101010101" pitchFamily="2" charset="-122"/>
-              <a:sym typeface="宋体" panose="02010600030101010101" pitchFamily="2" charset="-122"/>
-            </a:endParaRPr>
-          </a:p>
-        </p:txBody>
-      </p:sp>
-      <p:sp>
-        <p:nvSpPr>
-          <p:cNvPr id="45" name="矩形 6"/>
-          <p:cNvSpPr>
-            <a:spLocks noChangeArrowheads="1"/>
-          </p:cNvSpPr>
-          <p:nvPr/>
-        </p:nvSpPr>
-        <p:spPr bwMode="auto">
-          <a:xfrm>
-            <a:off x="9688" y="2588155"/>
-            <a:ext cx="994145" cy="799908"/>
-          </a:xfrm>
-          <a:prstGeom prst="rect">
-            <a:avLst/>
-          </a:prstGeom>
-          <a:solidFill>
-            <a:schemeClr val="bg1">
-              <a:alpha val="59999"/>
-            </a:schemeClr>
-          </a:solidFill>
-          <a:ln>
-            <a:noFill/>
-          </a:ln>
-        </p:spPr>
-        <p:txBody>
-          <a:bodyPr anchor="ctr"/>
-          <a:lstStyle/>
-          <a:p>
-            <a:pPr algn="ctr" eaLnBrk="0" hangingPunct="0">
-              <a:lnSpc>
-                <a:spcPct val="150000"/>
-              </a:lnSpc>
-            </a:pPr>
-            <a:endParaRPr lang="zh-CN" altLang="en-US">
-              <a:solidFill>
-                <a:srgbClr val="FFFFFF"/>
-              </a:solidFill>
-              <a:latin typeface="宋体" panose="02010600030101010101" pitchFamily="2" charset="-122"/>
-              <a:sym typeface="宋体" panose="02010600030101010101" pitchFamily="2" charset="-122"/>
-            </a:endParaRPr>
-          </a:p>
-        </p:txBody>
-      </p:sp>
-      <p:sp>
-        <p:nvSpPr>
-          <p:cNvPr id="46" name="矩形 6"/>
-          <p:cNvSpPr>
-            <a:spLocks noChangeArrowheads="1"/>
-          </p:cNvSpPr>
-          <p:nvPr/>
-        </p:nvSpPr>
-        <p:spPr bwMode="auto">
-          <a:xfrm>
-            <a:off x="9688" y="1722853"/>
-            <a:ext cx="994145" cy="799908"/>
-          </a:xfrm>
-          <a:prstGeom prst="rect">
-            <a:avLst/>
-          </a:prstGeom>
-          <a:solidFill>
-            <a:schemeClr val="bg1">
-              <a:alpha val="59999"/>
-            </a:schemeClr>
-          </a:solidFill>
-          <a:ln>
-            <a:noFill/>
-          </a:ln>
-        </p:spPr>
-        <p:txBody>
-          <a:bodyPr anchor="ctr"/>
-          <a:lstStyle/>
-          <a:p>
-            <a:pPr algn="ctr" eaLnBrk="0" hangingPunct="0">
-              <a:lnSpc>
-                <a:spcPct val="150000"/>
-              </a:lnSpc>
-            </a:pPr>
-            <a:endParaRPr lang="zh-CN" altLang="en-US">
-              <a:solidFill>
-                <a:srgbClr val="FFFFFF"/>
-              </a:solidFill>
-              <a:latin typeface="宋体" panose="02010600030101010101" pitchFamily="2" charset="-122"/>
-              <a:sym typeface="宋体" panose="02010600030101010101" pitchFamily="2" charset="-122"/>
-            </a:endParaRPr>
-          </a:p>
-        </p:txBody>
-      </p:sp>
-      <p:sp>
-        <p:nvSpPr>
-          <p:cNvPr id="47" name="文本框 60"/>
-          <p:cNvSpPr>
-            <a:spLocks noChangeArrowheads="1"/>
-          </p:cNvSpPr>
-          <p:nvPr/>
-        </p:nvSpPr>
-        <p:spPr bwMode="auto">
-          <a:xfrm>
-            <a:off x="68468" y="1072014"/>
-            <a:ext cx="943068" cy="707886"/>
-          </a:xfrm>
-          <a:prstGeom prst="rect">
-            <a:avLst/>
-          </a:prstGeom>
-          <a:noFill/>
-          <a:ln>
-            <a:noFill/>
-          </a:ln>
-          <a:extLst>
-            <a:ext uri="{909E8E84-426E-40DD-AFC4-6F175D3DCCD1}">
-              <a14:hiddenFill xmlns:a14="http://schemas.microsoft.com/office/drawing/2010/main">
-                <a:solidFill>
-                  <a:srgbClr val="FFFFFF"/>
-                </a:solidFill>
-              </a14:hiddenFill>
-            </a:ext>
-            <a:ext uri="{91240B29-F687-4F45-9708-019B960494DF}">
-              <a14:hiddenLine xmlns:a14="http://schemas.microsoft.com/office/drawing/2010/main" w="9525">
-                <a:solidFill>
-                  <a:srgbClr val="000000"/>
-                </a:solidFill>
-                <a:miter lim="800000"/>
-                <a:headEnd/>
-                <a:tailEnd/>
-              </a14:hiddenLine>
-            </a:ext>
-          </a:extLst>
-        </p:spPr>
-        <p:txBody>
-          <a:bodyPr wrap="square">
-            <a:spAutoFit/>
-          </a:bodyPr>
-          <a:lstStyle/>
-          <a:p>
-            <a:pPr eaLnBrk="0" hangingPunct="0"/>
-            <a:r>
-              <a:rPr lang="zh-CN" altLang="en-US" sz="2000" b="1" dirty="0" smtClean="0">
-                <a:solidFill>
-                  <a:schemeClr val="bg1"/>
-                </a:solidFill>
-                <a:latin typeface="华文楷体" panose="02010600040101010101" pitchFamily="2" charset="-122"/>
-                <a:ea typeface="华文楷体" panose="02010600040101010101" pitchFamily="2" charset="-122"/>
-                <a:sym typeface="Britannic Bold" panose="020B0903060703020204" pitchFamily="34" charset="0"/>
-              </a:rPr>
-              <a:t>我与演讲</a:t>
-            </a:r>
-            <a:endParaRPr lang="zh-CN" altLang="en-US" sz="2000" b="1" dirty="0">
-              <a:solidFill>
-                <a:schemeClr val="bg1"/>
-              </a:solidFill>
-              <a:latin typeface="华文楷体" panose="02010600040101010101" pitchFamily="2" charset="-122"/>
-              <a:ea typeface="华文楷体" panose="02010600040101010101" pitchFamily="2" charset="-122"/>
-              <a:sym typeface="Britannic Bold" panose="020B0903060703020204" pitchFamily="34" charset="0"/>
-            </a:endParaRPr>
-          </a:p>
-        </p:txBody>
-      </p:sp>
-      <p:sp>
-        <p:nvSpPr>
-          <p:cNvPr id="50" name="矩形 6"/>
-          <p:cNvSpPr>
-            <a:spLocks noChangeArrowheads="1"/>
-          </p:cNvSpPr>
-          <p:nvPr/>
-        </p:nvSpPr>
-        <p:spPr bwMode="auto">
-          <a:xfrm>
-            <a:off x="12759" y="5138474"/>
-            <a:ext cx="994145" cy="799908"/>
-          </a:xfrm>
-          <a:prstGeom prst="rect">
-            <a:avLst/>
-          </a:prstGeom>
-          <a:solidFill>
-            <a:schemeClr val="bg1">
-              <a:alpha val="59999"/>
-            </a:schemeClr>
-          </a:solidFill>
-          <a:ln>
-            <a:noFill/>
-          </a:ln>
-        </p:spPr>
-        <p:txBody>
-          <a:bodyPr anchor="ctr"/>
-          <a:lstStyle/>
-          <a:p>
-            <a:pPr algn="ctr" eaLnBrk="0" hangingPunct="0">
-              <a:lnSpc>
-                <a:spcPct val="150000"/>
-              </a:lnSpc>
-            </a:pPr>
-            <a:endParaRPr lang="zh-CN" altLang="en-US">
-              <a:solidFill>
-                <a:srgbClr val="FFFFFF"/>
-              </a:solidFill>
-              <a:latin typeface="宋体" panose="02010600030101010101" pitchFamily="2" charset="-122"/>
-              <a:sym typeface="宋体" panose="02010600030101010101" pitchFamily="2" charset="-122"/>
-            </a:endParaRPr>
-          </a:p>
-        </p:txBody>
-      </p:sp>
-    </p:spTree>
-    <p:extLst>
-      <p:ext uri="{BB962C8B-B14F-4D97-AF65-F5344CB8AC3E}">
-        <p14:creationId xmlns:p14="http://schemas.microsoft.com/office/powerpoint/2010/main" val="1667069524"/>
-      </p:ext>
-    </p:extLst>
-  </p:cSld>
-  <p:clrMapOvr>
-    <a:masterClrMapping/>
-  </p:clrMapOvr>
-  <p:timing>
-    <p:tnLst>
-      <p:par>
-        <p:cTn id="1" dur="indefinite" restart="never" nodeType="tmRoot">
-          <p:childTnLst>
-            <p:seq concurrent="1" nextAc="seek">
-              <p:cTn id="2" dur="indefinite" nodeType="mainSeq">
-                <p:childTnLst>
-                  <p:par>
-                    <p:cTn id="3" fill="hold">
-                      <p:stCondLst>
-                        <p:cond delay="indefinite"/>
-                      </p:stCondLst>
-                      <p:childTnLst>
-                        <p:par>
-                          <p:cTn id="4" fill="hold">
-                            <p:stCondLst>
-                              <p:cond delay="0"/>
-                            </p:stCondLst>
-                            <p:childTnLst>
-                              <p:par>
-                                <p:cTn id="5" presetID="1" presetClass="entr" presetSubtype="0" fill="hold" grpId="0" nodeType="clickEffect">
-                                  <p:stCondLst>
-                                    <p:cond delay="0"/>
-                                  </p:stCondLst>
-                                  <p:childTnLst>
-                                    <p:set>
-                                      <p:cBhvr>
-                                        <p:cTn id="6" dur="1" fill="hold">
-                                          <p:stCondLst>
-                                            <p:cond delay="0"/>
-                                          </p:stCondLst>
-                                        </p:cTn>
-                                        <p:tgtEl>
-                                          <p:spTgt spid="30"/>
-                                        </p:tgtEl>
-                                        <p:attrNameLst>
-                                          <p:attrName>style.visibility</p:attrName>
-                                        </p:attrNameLst>
-                                      </p:cBhvr>
-                                      <p:to>
-                                        <p:strVal val="visible"/>
-                                      </p:to>
-                                    </p:set>
-                                  </p:childTnLst>
-                                </p:cTn>
-                              </p:par>
-                            </p:childTnLst>
-                          </p:cTn>
-                        </p:par>
-                      </p:childTnLst>
-                    </p:cTn>
-                  </p:par>
-                  <p:par>
-                    <p:cTn id="7" fill="hold">
-                      <p:stCondLst>
-                        <p:cond delay="indefinite"/>
-                      </p:stCondLst>
-                      <p:childTnLst>
-                        <p:par>
-                          <p:cTn id="8" fill="hold">
-                            <p:stCondLst>
-                              <p:cond delay="0"/>
-                            </p:stCondLst>
-                            <p:childTnLst>
-                              <p:par>
-                                <p:cTn id="9" presetID="1" presetClass="entr" presetSubtype="0" fill="hold" nodeType="clickEffect">
-                                  <p:stCondLst>
-                                    <p:cond delay="0"/>
-                                  </p:stCondLst>
-                                  <p:childTnLst>
-                                    <p:set>
-                                      <p:cBhvr>
-                                        <p:cTn id="10" dur="1" fill="hold">
-                                          <p:stCondLst>
-                                            <p:cond delay="0"/>
-                                          </p:stCondLst>
-                                        </p:cTn>
-                                        <p:tgtEl>
-                                          <p:spTgt spid="8"/>
-                                        </p:tgtEl>
-                                        <p:attrNameLst>
-                                          <p:attrName>style.visibility</p:attrName>
-                                        </p:attrNameLst>
-                                      </p:cBhvr>
-                                      <p:to>
-                                        <p:strVal val="visible"/>
-                                      </p:to>
-                                    </p:set>
-                                  </p:childTnLst>
-                                </p:cTn>
-                              </p:par>
-                            </p:childTnLst>
-                          </p:cTn>
-                        </p:par>
-                      </p:childTnLst>
-                    </p:cTn>
-                  </p:par>
-                  <p:par>
-                    <p:cTn id="11" fill="hold">
-                      <p:stCondLst>
-                        <p:cond delay="indefinite"/>
-                      </p:stCondLst>
-                      <p:childTnLst>
-                        <p:par>
-                          <p:cTn id="12" fill="hold">
-                            <p:stCondLst>
-                              <p:cond delay="0"/>
-                            </p:stCondLst>
-                            <p:childTnLst>
-                              <p:par>
-                                <p:cTn id="13" presetID="1" presetClass="entr" presetSubtype="0" fill="hold" grpId="0" nodeType="clickEffect">
-                                  <p:stCondLst>
-                                    <p:cond delay="0"/>
-                                  </p:stCondLst>
-                                  <p:childTnLst>
-                                    <p:set>
-                                      <p:cBhvr>
-                                        <p:cTn id="14" dur="1" fill="hold">
-                                          <p:stCondLst>
-                                            <p:cond delay="0"/>
-                                          </p:stCondLst>
-                                        </p:cTn>
-                                        <p:tgtEl>
-                                          <p:spTgt spid="26"/>
-                                        </p:tgtEl>
-                                        <p:attrNameLst>
-                                          <p:attrName>style.visibility</p:attrName>
-                                        </p:attrNameLst>
-                                      </p:cBhvr>
-                                      <p:to>
-                                        <p:strVal val="visible"/>
-                                      </p:to>
-                                    </p:set>
-                                  </p:childTnLst>
-                                </p:cTn>
-                              </p:par>
-                            </p:childTnLst>
-                          </p:cTn>
-                        </p:par>
-                      </p:childTnLst>
-                    </p:cTn>
-                  </p:par>
-                  <p:par>
-                    <p:cTn id="15" fill="hold">
-                      <p:stCondLst>
-                        <p:cond delay="indefinite"/>
-                      </p:stCondLst>
-                      <p:childTnLst>
-                        <p:par>
-                          <p:cTn id="16" fill="hold">
-                            <p:stCondLst>
-                              <p:cond delay="0"/>
-                            </p:stCondLst>
-                            <p:childTnLst>
-                              <p:par>
-                                <p:cTn id="17" presetID="1" presetClass="entr" presetSubtype="0" fill="hold" nodeType="clickEffect">
-                                  <p:stCondLst>
-                                    <p:cond delay="0"/>
-                                  </p:stCondLst>
-                                  <p:childTnLst>
-                                    <p:set>
-                                      <p:cBhvr>
-                                        <p:cTn id="18" dur="1" fill="hold">
-                                          <p:stCondLst>
-                                            <p:cond delay="0"/>
-                                          </p:stCondLst>
-                                        </p:cTn>
-                                        <p:tgtEl>
-                                          <p:spTgt spid="32"/>
-                                        </p:tgtEl>
-                                        <p:attrNameLst>
-                                          <p:attrName>style.visibility</p:attrName>
-                                        </p:attrNameLst>
-                                      </p:cBhvr>
-                                      <p:to>
-                                        <p:strVal val="visible"/>
-                                      </p:to>
-                                    </p:set>
-                                  </p:childTnLst>
-                                </p:cTn>
-                              </p:par>
-                            </p:childTnLst>
-                          </p:cTn>
-                        </p:par>
-                      </p:childTnLst>
-                    </p:cTn>
-                  </p:par>
-                </p:childTnLst>
-              </p:cTn>
-              <p:prevCondLst>
-                <p:cond evt="onPrev" delay="0">
-                  <p:tgtEl>
-                    <p:sldTgt/>
-                  </p:tgtEl>
-                </p:cond>
-              </p:prevCondLst>
-              <p:nextCondLst>
-                <p:cond evt="onNext" delay="0">
-                  <p:tgtEl>
-                    <p:sldTgt/>
-                  </p:tgtEl>
-                </p:cond>
-              </p:nextCondLst>
-            </p:seq>
-          </p:childTnLst>
-        </p:cTn>
-      </p:par>
-    </p:tnLst>
-    <p:bldLst>
-      <p:bldP spid="26" grpId="0" animBg="1"/>
-      <p:bldP spid="30" grpId="0" animBg="1"/>
-    </p:bldLst>
-  </p:timing>
-</p:sld>
-</file>
-
-<file path=ppt/slides/slide5.xml><?xml version="1.0" encoding="utf-8"?>
-<p:sld xmlns:a="http://schemas.openxmlformats.org/drawingml/2006/main" xmlns:r="http://schemas.openxmlformats.org/officeDocument/2006/relationships" xmlns:p="http://schemas.openxmlformats.org/presentationml/2006/main">
-  <p:cSld>
-    <p:spTree>
-      <p:nvGrpSpPr>
-        <p:cNvPr id="1" name=""/>
-        <p:cNvGrpSpPr/>
-        <p:nvPr/>
-      </p:nvGrpSpPr>
-      <p:grpSpPr>
-        <a:xfrm>
-          <a:off x="0" y="0"/>
-          <a:ext cx="0" cy="0"/>
-          <a:chOff x="0" y="0"/>
-          <a:chExt cx="0" cy="0"/>
-        </a:xfrm>
-      </p:grpSpPr>
       <p:cxnSp>
         <p:nvCxnSpPr>
           <p:cNvPr id="19" name="直接连接符 12"/>
@@ -25869,7 +25253,7 @@
 </p:sld>
 </file>
 
-<file path=ppt/slides/slide6.xml><?xml version="1.0" encoding="utf-8"?>
+<file path=ppt/slides/slide5.xml><?xml version="1.0" encoding="utf-8"?>
 <p:sld xmlns:a="http://schemas.openxmlformats.org/drawingml/2006/main" xmlns:r="http://schemas.openxmlformats.org/officeDocument/2006/relationships" xmlns:p="http://schemas.openxmlformats.org/presentationml/2006/main">
   <p:cSld>
     <p:spTree>
@@ -26384,6 +25768,629 @@
 </p:sld>
 </file>
 
+<file path=ppt/slides/slide6.xml><?xml version="1.0" encoding="utf-8"?>
+<p:sld xmlns:a="http://schemas.openxmlformats.org/drawingml/2006/main" xmlns:r="http://schemas.openxmlformats.org/officeDocument/2006/relationships" xmlns:p="http://schemas.openxmlformats.org/presentationml/2006/main">
+  <p:cSld>
+    <p:spTree>
+      <p:nvGrpSpPr>
+        <p:cNvPr id="1" name=""/>
+        <p:cNvGrpSpPr/>
+        <p:nvPr/>
+      </p:nvGrpSpPr>
+      <p:grpSpPr>
+        <a:xfrm>
+          <a:off x="0" y="0"/>
+          <a:ext cx="0" cy="0"/>
+          <a:chOff x="0" y="0"/>
+          <a:chExt cx="0" cy="0"/>
+        </a:xfrm>
+      </p:grpSpPr>
+      <p:sp>
+        <p:nvSpPr>
+          <p:cNvPr id="21" name="文本框 20"/>
+          <p:cNvSpPr txBox="1"/>
+          <p:nvPr/>
+        </p:nvSpPr>
+        <p:spPr>
+          <a:xfrm>
+            <a:off x="827584" y="828001"/>
+            <a:ext cx="4158056" cy="584775"/>
+          </a:xfrm>
+          <a:prstGeom prst="rect">
+            <a:avLst/>
+          </a:prstGeom>
+          <a:noFill/>
+        </p:spPr>
+        <p:txBody>
+          <a:bodyPr wrap="square" rtlCol="0">
+            <a:spAutoFit/>
+          </a:bodyPr>
+          <a:lstStyle/>
+          <a:p>
+            <a:pPr>
+              <a:spcBef>
+                <a:spcPct val="20000"/>
+              </a:spcBef>
+            </a:pPr>
+            <a:r>
+              <a:rPr lang="zh-CN" altLang="en-US" sz="3200" b="1" i="1" dirty="0" smtClean="0">
+                <a:solidFill>
+                  <a:srgbClr val="FF0000"/>
+                </a:solidFill>
+                <a:latin typeface="华文楷体" panose="02010600040101010101" pitchFamily="2" charset="-122"/>
+                <a:ea typeface="华文楷体" panose="02010600040101010101" pitchFamily="2" charset="-122"/>
+              </a:rPr>
+              <a:t>演讲难吗？</a:t>
+            </a:r>
+            <a:endParaRPr lang="en-US" altLang="zh-CN" sz="3200" b="1" i="1" dirty="0" smtClean="0">
+              <a:solidFill>
+                <a:srgbClr val="FF0000"/>
+              </a:solidFill>
+              <a:latin typeface="华文楷体" panose="02010600040101010101" pitchFamily="2" charset="-122"/>
+              <a:ea typeface="华文楷体" panose="02010600040101010101" pitchFamily="2" charset="-122"/>
+            </a:endParaRPr>
+          </a:p>
+        </p:txBody>
+      </p:sp>
+      <p:sp>
+        <p:nvSpPr>
+          <p:cNvPr id="36" name="矩形 6"/>
+          <p:cNvSpPr>
+            <a:spLocks noChangeArrowheads="1"/>
+          </p:cNvSpPr>
+          <p:nvPr/>
+        </p:nvSpPr>
+        <p:spPr bwMode="auto">
+          <a:xfrm>
+            <a:off x="13777" y="4282636"/>
+            <a:ext cx="994145" cy="799908"/>
+          </a:xfrm>
+          <a:prstGeom prst="rect">
+            <a:avLst/>
+          </a:prstGeom>
+          <a:solidFill>
+            <a:schemeClr val="bg1">
+              <a:alpha val="59999"/>
+            </a:schemeClr>
+          </a:solidFill>
+          <a:ln>
+            <a:noFill/>
+          </a:ln>
+        </p:spPr>
+        <p:txBody>
+          <a:bodyPr anchor="ctr"/>
+          <a:lstStyle/>
+          <a:p>
+            <a:pPr algn="ctr" eaLnBrk="0" hangingPunct="0">
+              <a:lnSpc>
+                <a:spcPct val="150000"/>
+              </a:lnSpc>
+            </a:pPr>
+            <a:endParaRPr lang="zh-CN" altLang="en-US">
+              <a:solidFill>
+                <a:srgbClr val="FFFFFF"/>
+              </a:solidFill>
+              <a:latin typeface="宋体" panose="02010600030101010101" pitchFamily="2" charset="-122"/>
+              <a:sym typeface="宋体" panose="02010600030101010101" pitchFamily="2" charset="-122"/>
+            </a:endParaRPr>
+          </a:p>
+        </p:txBody>
+      </p:sp>
+      <p:sp>
+        <p:nvSpPr>
+          <p:cNvPr id="37" name="矩形 6"/>
+          <p:cNvSpPr>
+            <a:spLocks noChangeArrowheads="1"/>
+          </p:cNvSpPr>
+          <p:nvPr/>
+        </p:nvSpPr>
+        <p:spPr bwMode="auto">
+          <a:xfrm>
+            <a:off x="9688" y="3435168"/>
+            <a:ext cx="994145" cy="799908"/>
+          </a:xfrm>
+          <a:prstGeom prst="rect">
+            <a:avLst/>
+          </a:prstGeom>
+          <a:solidFill>
+            <a:schemeClr val="bg1">
+              <a:alpha val="59999"/>
+            </a:schemeClr>
+          </a:solidFill>
+          <a:ln>
+            <a:noFill/>
+          </a:ln>
+        </p:spPr>
+        <p:txBody>
+          <a:bodyPr anchor="ctr"/>
+          <a:lstStyle/>
+          <a:p>
+            <a:pPr algn="ctr" eaLnBrk="0" hangingPunct="0">
+              <a:lnSpc>
+                <a:spcPct val="150000"/>
+              </a:lnSpc>
+            </a:pPr>
+            <a:endParaRPr lang="zh-CN" altLang="en-US">
+              <a:solidFill>
+                <a:srgbClr val="FFFFFF"/>
+              </a:solidFill>
+              <a:latin typeface="宋体" panose="02010600030101010101" pitchFamily="2" charset="-122"/>
+              <a:sym typeface="宋体" panose="02010600030101010101" pitchFamily="2" charset="-122"/>
+            </a:endParaRPr>
+          </a:p>
+        </p:txBody>
+      </p:sp>
+      <p:sp>
+        <p:nvSpPr>
+          <p:cNvPr id="39" name="矩形 6"/>
+          <p:cNvSpPr>
+            <a:spLocks noChangeArrowheads="1"/>
+          </p:cNvSpPr>
+          <p:nvPr/>
+        </p:nvSpPr>
+        <p:spPr bwMode="auto">
+          <a:xfrm>
+            <a:off x="9688" y="1722853"/>
+            <a:ext cx="994145" cy="799908"/>
+          </a:xfrm>
+          <a:prstGeom prst="rect">
+            <a:avLst/>
+          </a:prstGeom>
+          <a:solidFill>
+            <a:schemeClr val="bg1">
+              <a:alpha val="59999"/>
+            </a:schemeClr>
+          </a:solidFill>
+          <a:ln>
+            <a:noFill/>
+          </a:ln>
+        </p:spPr>
+        <p:txBody>
+          <a:bodyPr anchor="ctr"/>
+          <a:lstStyle/>
+          <a:p>
+            <a:pPr algn="ctr" eaLnBrk="0" hangingPunct="0">
+              <a:lnSpc>
+                <a:spcPct val="150000"/>
+              </a:lnSpc>
+            </a:pPr>
+            <a:endParaRPr lang="zh-CN" altLang="en-US">
+              <a:solidFill>
+                <a:srgbClr val="FFFFFF"/>
+              </a:solidFill>
+              <a:latin typeface="宋体" panose="02010600030101010101" pitchFamily="2" charset="-122"/>
+              <a:sym typeface="宋体" panose="02010600030101010101" pitchFamily="2" charset="-122"/>
+            </a:endParaRPr>
+          </a:p>
+        </p:txBody>
+      </p:sp>
+      <p:sp>
+        <p:nvSpPr>
+          <p:cNvPr id="40" name="文本框 60"/>
+          <p:cNvSpPr>
+            <a:spLocks noChangeArrowheads="1"/>
+          </p:cNvSpPr>
+          <p:nvPr/>
+        </p:nvSpPr>
+        <p:spPr bwMode="auto">
+          <a:xfrm>
+            <a:off x="68468" y="1072014"/>
+            <a:ext cx="943068" cy="707886"/>
+          </a:xfrm>
+          <a:prstGeom prst="rect">
+            <a:avLst/>
+          </a:prstGeom>
+          <a:noFill/>
+          <a:ln>
+            <a:noFill/>
+          </a:ln>
+          <a:extLst>
+            <a:ext uri="{909E8E84-426E-40DD-AFC4-6F175D3DCCD1}">
+              <a14:hiddenFill xmlns:a14="http://schemas.microsoft.com/office/drawing/2010/main">
+                <a:solidFill>
+                  <a:srgbClr val="FFFFFF"/>
+                </a:solidFill>
+              </a14:hiddenFill>
+            </a:ext>
+            <a:ext uri="{91240B29-F687-4F45-9708-019B960494DF}">
+              <a14:hiddenLine xmlns:a14="http://schemas.microsoft.com/office/drawing/2010/main" w="9525">
+                <a:solidFill>
+                  <a:srgbClr val="000000"/>
+                </a:solidFill>
+                <a:miter lim="800000"/>
+                <a:headEnd/>
+                <a:tailEnd/>
+              </a14:hiddenLine>
+            </a:ext>
+          </a:extLst>
+        </p:spPr>
+        <p:txBody>
+          <a:bodyPr wrap="square">
+            <a:spAutoFit/>
+          </a:bodyPr>
+          <a:lstStyle/>
+          <a:p>
+            <a:pPr eaLnBrk="0" hangingPunct="0"/>
+            <a:r>
+              <a:rPr lang="zh-CN" altLang="en-US" sz="2000" b="1" dirty="0" smtClean="0">
+                <a:solidFill>
+                  <a:schemeClr val="bg1"/>
+                </a:solidFill>
+                <a:latin typeface="华文楷体" panose="02010600040101010101" pitchFamily="2" charset="-122"/>
+                <a:ea typeface="华文楷体" panose="02010600040101010101" pitchFamily="2" charset="-122"/>
+                <a:sym typeface="Britannic Bold" panose="020B0903060703020204" pitchFamily="34" charset="0"/>
+              </a:rPr>
+              <a:t>我与演讲</a:t>
+            </a:r>
+            <a:endParaRPr lang="zh-CN" altLang="en-US" sz="2000" b="1" dirty="0">
+              <a:solidFill>
+                <a:schemeClr val="bg1"/>
+              </a:solidFill>
+              <a:latin typeface="华文楷体" panose="02010600040101010101" pitchFamily="2" charset="-122"/>
+              <a:ea typeface="华文楷体" panose="02010600040101010101" pitchFamily="2" charset="-122"/>
+              <a:sym typeface="Britannic Bold" panose="020B0903060703020204" pitchFamily="34" charset="0"/>
+            </a:endParaRPr>
+          </a:p>
+        </p:txBody>
+      </p:sp>
+      <p:sp>
+        <p:nvSpPr>
+          <p:cNvPr id="41" name="矩形 6"/>
+          <p:cNvSpPr>
+            <a:spLocks noChangeArrowheads="1"/>
+          </p:cNvSpPr>
+          <p:nvPr/>
+        </p:nvSpPr>
+        <p:spPr bwMode="auto">
+          <a:xfrm>
+            <a:off x="12759" y="5138474"/>
+            <a:ext cx="994145" cy="799908"/>
+          </a:xfrm>
+          <a:prstGeom prst="rect">
+            <a:avLst/>
+          </a:prstGeom>
+          <a:solidFill>
+            <a:schemeClr val="bg1">
+              <a:alpha val="59999"/>
+            </a:schemeClr>
+          </a:solidFill>
+          <a:ln>
+            <a:noFill/>
+          </a:ln>
+        </p:spPr>
+        <p:txBody>
+          <a:bodyPr anchor="ctr"/>
+          <a:lstStyle/>
+          <a:p>
+            <a:pPr algn="ctr" eaLnBrk="0" hangingPunct="0">
+              <a:lnSpc>
+                <a:spcPct val="150000"/>
+              </a:lnSpc>
+            </a:pPr>
+            <a:endParaRPr lang="zh-CN" altLang="en-US">
+              <a:solidFill>
+                <a:srgbClr val="FFFFFF"/>
+              </a:solidFill>
+              <a:latin typeface="宋体" panose="02010600030101010101" pitchFamily="2" charset="-122"/>
+              <a:sym typeface="宋体" panose="02010600030101010101" pitchFamily="2" charset="-122"/>
+            </a:endParaRPr>
+          </a:p>
+        </p:txBody>
+      </p:sp>
+      <p:sp>
+        <p:nvSpPr>
+          <p:cNvPr id="11" name="文本框 20"/>
+          <p:cNvSpPr txBox="1"/>
+          <p:nvPr/>
+        </p:nvSpPr>
+        <p:spPr>
+          <a:xfrm>
+            <a:off x="971600" y="3356992"/>
+            <a:ext cx="6552728" cy="584775"/>
+          </a:xfrm>
+          <a:prstGeom prst="rect">
+            <a:avLst/>
+          </a:prstGeom>
+          <a:noFill/>
+        </p:spPr>
+        <p:txBody>
+          <a:bodyPr wrap="square" rtlCol="0">
+            <a:spAutoFit/>
+          </a:bodyPr>
+          <a:lstStyle/>
+          <a:p>
+            <a:pPr>
+              <a:spcBef>
+                <a:spcPct val="20000"/>
+              </a:spcBef>
+            </a:pPr>
+            <a:r>
+              <a:rPr lang="zh-CN" altLang="en-US" sz="3200" b="1" i="1" dirty="0" smtClean="0">
+                <a:solidFill>
+                  <a:srgbClr val="FF0000"/>
+                </a:solidFill>
+                <a:latin typeface="华文楷体" panose="02010600040101010101" pitchFamily="2" charset="-122"/>
+                <a:ea typeface="华文楷体" panose="02010600040101010101" pitchFamily="2" charset="-122"/>
+              </a:rPr>
+              <a:t>如何</a:t>
+            </a:r>
+            <a:r>
+              <a:rPr lang="zh-CN" altLang="en-US" sz="3200" b="1" i="1" dirty="0" smtClean="0">
+                <a:solidFill>
+                  <a:srgbClr val="FF0000"/>
+                </a:solidFill>
+                <a:latin typeface="华文楷体" panose="02010600040101010101" pitchFamily="2" charset="-122"/>
+                <a:ea typeface="华文楷体" panose="02010600040101010101" pitchFamily="2" charset="-122"/>
+              </a:rPr>
+              <a:t>准备一次成功的演讲？</a:t>
+            </a:r>
+            <a:endParaRPr lang="en-US" altLang="zh-CN" sz="3200" b="1" i="1" dirty="0" smtClean="0">
+              <a:solidFill>
+                <a:srgbClr val="FF0000"/>
+              </a:solidFill>
+              <a:latin typeface="华文楷体" panose="02010600040101010101" pitchFamily="2" charset="-122"/>
+              <a:ea typeface="华文楷体" panose="02010600040101010101" pitchFamily="2" charset="-122"/>
+            </a:endParaRPr>
+          </a:p>
+        </p:txBody>
+      </p:sp>
+      <p:sp>
+        <p:nvSpPr>
+          <p:cNvPr id="12" name="文本框 8"/>
+          <p:cNvSpPr txBox="1"/>
+          <p:nvPr/>
+        </p:nvSpPr>
+        <p:spPr>
+          <a:xfrm>
+            <a:off x="1691680" y="1556792"/>
+            <a:ext cx="6552728" cy="1384995"/>
+          </a:xfrm>
+          <a:prstGeom prst="rect">
+            <a:avLst/>
+          </a:prstGeom>
+          <a:noFill/>
+          <a:ln w="38100">
+            <a:solidFill>
+              <a:schemeClr val="bg1"/>
+            </a:solidFill>
+          </a:ln>
+        </p:spPr>
+        <p:txBody>
+          <a:bodyPr wrap="square" rtlCol="0">
+            <a:spAutoFit/>
+          </a:bodyPr>
+          <a:lstStyle/>
+          <a:p>
+            <a:pPr>
+              <a:lnSpc>
+                <a:spcPct val="150000"/>
+              </a:lnSpc>
+            </a:pPr>
+            <a:r>
+              <a:rPr lang="zh-CN" altLang="en-US" sz="2800" b="1" dirty="0" smtClean="0">
+                <a:solidFill>
+                  <a:schemeClr val="tx2">
+                    <a:lumMod val="60000"/>
+                    <a:lumOff val="40000"/>
+                  </a:schemeClr>
+                </a:solidFill>
+                <a:latin typeface="华文楷体" panose="02010600040101010101" pitchFamily="2" charset="-122"/>
+                <a:ea typeface="华文楷体" panose="02010600040101010101" pitchFamily="2" charset="-122"/>
+              </a:rPr>
+              <a:t>如果你知道如何在饭桌上对着一群朋友讲话，那么你就知道如何发表公共演讲</a:t>
+            </a:r>
+            <a:endParaRPr lang="en-US" altLang="zh-CN" sz="2800" b="1" dirty="0" smtClean="0">
+              <a:solidFill>
+                <a:schemeClr val="tx2">
+                  <a:lumMod val="60000"/>
+                  <a:lumOff val="40000"/>
+                </a:schemeClr>
+              </a:solidFill>
+              <a:latin typeface="华文楷体" panose="02010600040101010101" pitchFamily="2" charset="-122"/>
+              <a:ea typeface="华文楷体" panose="02010600040101010101" pitchFamily="2" charset="-122"/>
+            </a:endParaRPr>
+          </a:p>
+        </p:txBody>
+      </p:sp>
+      <p:sp>
+        <p:nvSpPr>
+          <p:cNvPr id="14" name="文本框 8"/>
+          <p:cNvSpPr txBox="1"/>
+          <p:nvPr/>
+        </p:nvSpPr>
+        <p:spPr>
+          <a:xfrm>
+            <a:off x="1844080" y="4149080"/>
+            <a:ext cx="6552728" cy="2031325"/>
+          </a:xfrm>
+          <a:prstGeom prst="rect">
+            <a:avLst/>
+          </a:prstGeom>
+          <a:noFill/>
+          <a:ln w="38100">
+            <a:solidFill>
+              <a:schemeClr val="bg1"/>
+            </a:solidFill>
+          </a:ln>
+        </p:spPr>
+        <p:txBody>
+          <a:bodyPr wrap="square" rtlCol="0">
+            <a:spAutoFit/>
+          </a:bodyPr>
+          <a:lstStyle/>
+          <a:p>
+            <a:pPr>
+              <a:lnSpc>
+                <a:spcPct val="150000"/>
+              </a:lnSpc>
+            </a:pPr>
+            <a:r>
+              <a:rPr lang="zh-CN" altLang="en-US" sz="2800" b="1" dirty="0" smtClean="0">
+                <a:solidFill>
+                  <a:schemeClr val="tx2">
+                    <a:lumMod val="60000"/>
+                    <a:lumOff val="40000"/>
+                  </a:schemeClr>
+                </a:solidFill>
+                <a:latin typeface="华文楷体" panose="02010600040101010101" pitchFamily="2" charset="-122"/>
+                <a:ea typeface="华文楷体" panose="02010600040101010101" pitchFamily="2" charset="-122"/>
+              </a:rPr>
+              <a:t>如成功的演讲并没有一种固定的模式，因为知识的海洋浩瀚无边，而演讲者和观众来自完全不同的领域</a:t>
+            </a:r>
+            <a:endParaRPr lang="en-US" altLang="zh-CN" sz="2800" b="1" dirty="0" smtClean="0">
+              <a:solidFill>
+                <a:schemeClr val="tx2">
+                  <a:lumMod val="60000"/>
+                  <a:lumOff val="40000"/>
+                </a:schemeClr>
+              </a:solidFill>
+              <a:latin typeface="华文楷体" panose="02010600040101010101" pitchFamily="2" charset="-122"/>
+              <a:ea typeface="华文楷体" panose="02010600040101010101" pitchFamily="2" charset="-122"/>
+            </a:endParaRPr>
+          </a:p>
+        </p:txBody>
+      </p:sp>
+    </p:spTree>
+    <p:extLst>
+      <p:ext uri="{BB962C8B-B14F-4D97-AF65-F5344CB8AC3E}">
+        <p14:creationId xmlns:p14="http://schemas.microsoft.com/office/powerpoint/2010/main" val="2067106675"/>
+      </p:ext>
+    </p:extLst>
+  </p:cSld>
+  <p:clrMapOvr>
+    <a:masterClrMapping/>
+  </p:clrMapOvr>
+  <p:timing>
+    <p:tnLst>
+      <p:par>
+        <p:cTn id="1" dur="indefinite" restart="never" nodeType="tmRoot">
+          <p:childTnLst>
+            <p:seq concurrent="1" nextAc="seek">
+              <p:cTn id="2" dur="indefinite" nodeType="mainSeq">
+                <p:childTnLst>
+                  <p:par>
+                    <p:cTn id="3" fill="hold">
+                      <p:stCondLst>
+                        <p:cond delay="indefinite"/>
+                      </p:stCondLst>
+                      <p:childTnLst>
+                        <p:par>
+                          <p:cTn id="4" fill="hold">
+                            <p:stCondLst>
+                              <p:cond delay="0"/>
+                            </p:stCondLst>
+                            <p:childTnLst>
+                              <p:par>
+                                <p:cTn id="5" presetID="1" presetClass="entr" presetSubtype="0" fill="hold" nodeType="clickEffect">
+                                  <p:stCondLst>
+                                    <p:cond delay="0"/>
+                                  </p:stCondLst>
+                                  <p:childTnLst>
+                                    <p:set>
+                                      <p:cBhvr>
+                                        <p:cTn id="6" dur="1" fill="hold">
+                                          <p:stCondLst>
+                                            <p:cond delay="0"/>
+                                          </p:stCondLst>
+                                        </p:cTn>
+                                        <p:tgtEl>
+                                          <p:spTgt spid="12">
+                                            <p:txEl>
+                                              <p:pRg st="0" end="0"/>
+                                            </p:txEl>
+                                          </p:spTgt>
+                                        </p:tgtEl>
+                                        <p:attrNameLst>
+                                          <p:attrName>style.visibility</p:attrName>
+                                        </p:attrNameLst>
+                                      </p:cBhvr>
+                                      <p:to>
+                                        <p:strVal val="visible"/>
+                                      </p:to>
+                                    </p:set>
+                                  </p:childTnLst>
+                                </p:cTn>
+                              </p:par>
+                            </p:childTnLst>
+                          </p:cTn>
+                        </p:par>
+                      </p:childTnLst>
+                    </p:cTn>
+                  </p:par>
+                  <p:par>
+                    <p:cTn id="7" fill="hold">
+                      <p:stCondLst>
+                        <p:cond delay="indefinite"/>
+                      </p:stCondLst>
+                      <p:childTnLst>
+                        <p:par>
+                          <p:cTn id="8" fill="hold">
+                            <p:stCondLst>
+                              <p:cond delay="0"/>
+                            </p:stCondLst>
+                            <p:childTnLst>
+                              <p:par>
+                                <p:cTn id="9" presetID="1" presetClass="entr" presetSubtype="0" fill="hold" nodeType="clickEffect">
+                                  <p:stCondLst>
+                                    <p:cond delay="0"/>
+                                  </p:stCondLst>
+                                  <p:childTnLst>
+                                    <p:set>
+                                      <p:cBhvr>
+                                        <p:cTn id="10" dur="1" fill="hold">
+                                          <p:stCondLst>
+                                            <p:cond delay="0"/>
+                                          </p:stCondLst>
+                                        </p:cTn>
+                                        <p:tgtEl>
+                                          <p:spTgt spid="14">
+                                            <p:txEl>
+                                              <p:pRg st="0" end="0"/>
+                                            </p:txEl>
+                                          </p:spTgt>
+                                        </p:tgtEl>
+                                        <p:attrNameLst>
+                                          <p:attrName>style.visibility</p:attrName>
+                                        </p:attrNameLst>
+                                      </p:cBhvr>
+                                      <p:to>
+                                        <p:strVal val="visible"/>
+                                      </p:to>
+                                    </p:set>
+                                  </p:childTnLst>
+                                </p:cTn>
+                              </p:par>
+                            </p:childTnLst>
+                          </p:cTn>
+                        </p:par>
+                      </p:childTnLst>
+                    </p:cTn>
+                  </p:par>
+                </p:childTnLst>
+              </p:cTn>
+              <p:prevCondLst>
+                <p:cond evt="onPrev" delay="0">
+                  <p:tgtEl>
+                    <p:sldTgt/>
+                  </p:tgtEl>
+                </p:cond>
+              </p:prevCondLst>
+              <p:nextCondLst>
+                <p:cond evt="onNext" delay="0">
+                  <p:tgtEl>
+                    <p:sldTgt/>
+                  </p:tgtEl>
+                </p:cond>
+              </p:nextCondLst>
+            </p:seq>
+          </p:childTnLst>
+        </p:cTn>
+      </p:par>
+    </p:tnLst>
+  </p:timing>
+</p:sld>
+</file>
+
 <file path=ppt/slides/slide7.xml><?xml version="1.0" encoding="utf-8"?>
 <p:sld xmlns:a="http://schemas.openxmlformats.org/drawingml/2006/main" xmlns:r="http://schemas.openxmlformats.org/officeDocument/2006/relationships" xmlns:p="http://schemas.openxmlformats.org/presentationml/2006/main">
   <p:cSld>
@@ -26403,73 +26410,6 @@
       </p:grpSpPr>
       <p:sp>
         <p:nvSpPr>
-          <p:cNvPr id="7" name="TextBox 12"/>
-          <p:cNvSpPr>
-            <a:spLocks noChangeArrowheads="1"/>
-          </p:cNvSpPr>
-          <p:nvPr/>
-        </p:nvSpPr>
-        <p:spPr bwMode="auto">
-          <a:xfrm>
-            <a:off x="1495086" y="2730209"/>
-            <a:ext cx="1557711" cy="919919"/>
-          </a:xfrm>
-          <a:prstGeom prst="rect">
-            <a:avLst/>
-          </a:prstGeom>
-          <a:noFill/>
-          <a:ln>
-            <a:noFill/>
-          </a:ln>
-          <a:extLst>
-            <a:ext uri="{909E8E84-426E-40DD-AFC4-6F175D3DCCD1}">
-              <a14:hiddenFill xmlns:a14="http://schemas.microsoft.com/office/drawing/2010/main">
-                <a:solidFill>
-                  <a:srgbClr val="FFFFFF"/>
-                </a:solidFill>
-              </a14:hiddenFill>
-            </a:ext>
-            <a:ext uri="{91240B29-F687-4F45-9708-019B960494DF}">
-              <a14:hiddenLine xmlns:a14="http://schemas.microsoft.com/office/drawing/2010/main" w="9525">
-                <a:solidFill>
-                  <a:srgbClr val="000000"/>
-                </a:solidFill>
-                <a:miter lim="800000"/>
-                <a:headEnd/>
-                <a:tailEnd/>
-              </a14:hiddenLine>
-            </a:ext>
-          </a:extLst>
-        </p:spPr>
-        <p:txBody>
-          <a:bodyPr wrap="none" lIns="72823" tIns="36411" rIns="72823" bIns="36411">
-            <a:spAutoFit/>
-          </a:bodyPr>
-          <a:lstStyle/>
-          <a:p>
-            <a:r>
-              <a:rPr lang="zh-CN" altLang="en-US" sz="5500" dirty="0">
-                <a:solidFill>
-                  <a:schemeClr val="accent1"/>
-                </a:solidFill>
-                <a:effectLst>
-                  <a:outerShdw blurRad="38100" dist="38100" dir="2700000" algn="tl">
-                    <a:srgbClr val="000000">
-                      <a:alpha val="43137"/>
-                    </a:srgbClr>
-                  </a:outerShdw>
-                </a:effectLst>
-                <a:latin typeface="Arial" panose="020B0604020202020204" pitchFamily="34" charset="0"/>
-                <a:ea typeface="微软雅黑" panose="020B0503020204020204" pitchFamily="34" charset="-122"/>
-                <a:sym typeface="Arial" panose="020B0604020202020204" pitchFamily="34" charset="0"/>
-              </a:rPr>
-              <a:t>目录</a:t>
-            </a:r>
-          </a:p>
-        </p:txBody>
-      </p:sp>
-      <p:sp>
-        <p:nvSpPr>
           <p:cNvPr id="8" name="TextBox 13"/>
           <p:cNvSpPr>
             <a:spLocks noChangeArrowheads="1"/>
@@ -26478,7 +26418,7 @@
         </p:nvSpPr>
         <p:spPr bwMode="auto">
           <a:xfrm>
-            <a:off x="4881655" y="2268418"/>
+            <a:off x="2962510" y="2268418"/>
             <a:ext cx="3409690" cy="412087"/>
           </a:xfrm>
           <a:prstGeom prst="rect">
@@ -26522,7 +26462,7 @@
         </p:nvSpPr>
         <p:spPr bwMode="auto">
           <a:xfrm>
-            <a:off x="4881655" y="3007920"/>
+            <a:off x="2962510" y="3007920"/>
             <a:ext cx="3409690" cy="412087"/>
           </a:xfrm>
           <a:prstGeom prst="rect">
@@ -26566,7 +26506,7 @@
         </p:nvSpPr>
         <p:spPr bwMode="auto">
           <a:xfrm>
-            <a:off x="4881655" y="3747421"/>
+            <a:off x="2962510" y="3747421"/>
             <a:ext cx="3409690" cy="412087"/>
           </a:xfrm>
           <a:prstGeom prst="rect">
@@ -26610,7 +26550,7 @@
         </p:nvSpPr>
         <p:spPr bwMode="auto">
           <a:xfrm>
-            <a:off x="4404413" y="2268416"/>
+            <a:off x="2485268" y="2268416"/>
             <a:ext cx="647425" cy="461792"/>
           </a:xfrm>
           <a:prstGeom prst="homePlate">
@@ -26651,7 +26591,7 @@
         </p:nvSpPr>
         <p:spPr bwMode="auto">
           <a:xfrm>
-            <a:off x="4404413" y="3007917"/>
+            <a:off x="2485268" y="3007917"/>
             <a:ext cx="647425" cy="461792"/>
           </a:xfrm>
           <a:prstGeom prst="homePlate">
@@ -26692,7 +26632,7 @@
         </p:nvSpPr>
         <p:spPr bwMode="auto">
           <a:xfrm>
-            <a:off x="4404413" y="3747417"/>
+            <a:off x="2485268" y="3747417"/>
             <a:ext cx="647425" cy="461792"/>
           </a:xfrm>
           <a:prstGeom prst="homePlate">
@@ -26733,7 +26673,7 @@
         </p:nvSpPr>
         <p:spPr bwMode="auto">
           <a:xfrm>
-            <a:off x="4404413" y="2184241"/>
+            <a:off x="2485268" y="2184241"/>
             <a:ext cx="432403" cy="689086"/>
           </a:xfrm>
           <a:prstGeom prst="rect">
@@ -26803,7 +26743,7 @@
         </p:nvSpPr>
         <p:spPr bwMode="auto">
           <a:xfrm>
-            <a:off x="4404413" y="2904700"/>
+            <a:off x="2485268" y="2904700"/>
             <a:ext cx="432403" cy="689086"/>
           </a:xfrm>
           <a:prstGeom prst="rect">
@@ -26873,7 +26813,7 @@
         </p:nvSpPr>
         <p:spPr bwMode="auto">
           <a:xfrm>
-            <a:off x="4404413" y="3623570"/>
+            <a:off x="2485268" y="3623570"/>
             <a:ext cx="432403" cy="689086"/>
           </a:xfrm>
           <a:prstGeom prst="rect">
@@ -27274,10 +27214,10 @@
         </p:nvGrpSpPr>
         <p:grpSpPr>
           <a:xfrm>
-            <a:off x="655207" y="5102255"/>
-            <a:ext cx="2121408" cy="785127"/>
+            <a:off x="655206" y="5102258"/>
+            <a:ext cx="2620649" cy="798835"/>
             <a:chOff x="9263558" y="5374010"/>
-            <a:chExt cx="2520001" cy="766597"/>
+            <a:chExt cx="2520001" cy="576064"/>
           </a:xfrm>
         </p:grpSpPr>
         <p:sp>
@@ -27291,7 +27231,7 @@
           <p:spPr>
             <a:xfrm>
               <a:off x="9263558" y="5479480"/>
-              <a:ext cx="2520001" cy="661127"/>
+              <a:ext cx="2520001" cy="277434"/>
             </a:xfrm>
             <a:prstGeom prst="rect">
               <a:avLst/>
@@ -27318,6 +27258,26 @@
                 <a:t>     </a:t>
               </a:r>
               <a:r>
+                <a:rPr lang="zh-CN" altLang="en-US" sz="1900" kern="0" dirty="0" smtClean="0">
+                  <a:solidFill>
+                    <a:srgbClr val="FF0000"/>
+                  </a:solidFill>
+                  <a:latin typeface="微软雅黑" panose="020B0503020204020204" pitchFamily="34" charset="-122"/>
+                  <a:ea typeface="微软雅黑" panose="020B0503020204020204" pitchFamily="34" charset="-122"/>
+                </a:rPr>
+                <a:t>讲</a:t>
+              </a:r>
+              <a:r>
+                <a:rPr lang="zh-CN" altLang="en-US" sz="1900" kern="0" dirty="0" smtClean="0">
+                  <a:solidFill>
+                    <a:srgbClr val="FF0000"/>
+                  </a:solidFill>
+                  <a:latin typeface="微软雅黑" panose="020B0503020204020204" pitchFamily="34" charset="-122"/>
+                  <a:ea typeface="微软雅黑" panose="020B0503020204020204" pitchFamily="34" charset="-122"/>
+                </a:rPr>
+                <a:t>点</a:t>
+              </a:r>
+              <a:r>
                 <a:rPr lang="zh-CN" altLang="en-US" sz="1900" kern="0" dirty="0">
                   <a:solidFill>
                     <a:srgbClr val="FF0000"/>
@@ -27325,7 +27285,7 @@
                   <a:latin typeface="微软雅黑" panose="020B0503020204020204" pitchFamily="34" charset="-122"/>
                   <a:ea typeface="微软雅黑" panose="020B0503020204020204" pitchFamily="34" charset="-122"/>
                 </a:rPr>
-                <a:t>说点啥呢？？？</a:t>
+                <a:t>啥呢？？？</a:t>
               </a:r>
               <a:r>
                 <a:rPr lang="zh-CN" altLang="en-US" sz="1900" kern="0" dirty="0">
@@ -27407,7 +27367,7 @@
         <p:spPr bwMode="auto">
           <a:xfrm>
             <a:off x="3504240" y="1437400"/>
-            <a:ext cx="4352482" cy="1573944"/>
+            <a:ext cx="4352482" cy="2050998"/>
           </a:xfrm>
           <a:prstGeom prst="rect">
             <a:avLst/>
@@ -27443,7 +27403,57 @@
                 <a:latin typeface="微软雅黑" panose="020B0503020204020204" pitchFamily="34" charset="-122"/>
                 <a:ea typeface="微软雅黑" panose="020B0503020204020204" pitchFamily="34" charset="-122"/>
               </a:rPr>
-              <a:t>演讲的关键：</a:t>
+              <a:t>演讲的关键</a:t>
+            </a:r>
+            <a:r>
+              <a:rPr lang="zh-CN" altLang="en-US" sz="2500" dirty="0" smtClean="0">
+                <a:solidFill>
+                  <a:srgbClr val="00B050"/>
+                </a:solidFill>
+                <a:latin typeface="微软雅黑" panose="020B0503020204020204" pitchFamily="34" charset="-122"/>
+                <a:ea typeface="微软雅黑" panose="020B0503020204020204" pitchFamily="34" charset="-122"/>
+              </a:rPr>
+              <a:t>：</a:t>
+            </a:r>
+            <a:endParaRPr lang="en-US" altLang="zh-CN" sz="2500" dirty="0" smtClean="0">
+              <a:solidFill>
+                <a:srgbClr val="00B050"/>
+              </a:solidFill>
+              <a:latin typeface="微软雅黑" panose="020B0503020204020204" pitchFamily="34" charset="-122"/>
+              <a:ea typeface="微软雅黑" panose="020B0503020204020204" pitchFamily="34" charset="-122"/>
+            </a:endParaRPr>
+          </a:p>
+          <a:p>
+            <a:pPr defTabSz="970465">
+              <a:lnSpc>
+                <a:spcPct val="130000"/>
+              </a:lnSpc>
+              <a:spcBef>
+                <a:spcPts val="159"/>
+              </a:spcBef>
+              <a:spcAft>
+                <a:spcPts val="48"/>
+              </a:spcAft>
+            </a:pPr>
+            <a:r>
+              <a:rPr lang="en-US" altLang="zh-CN" sz="2500" b="1" dirty="0">
+                <a:solidFill>
+                  <a:srgbClr val="00B050"/>
+                </a:solidFill>
+                <a:latin typeface="微软雅黑" panose="020B0503020204020204" pitchFamily="34" charset="-122"/>
+                <a:ea typeface="微软雅黑" panose="020B0503020204020204" pitchFamily="34" charset="-122"/>
+              </a:rPr>
+              <a:t>	</a:t>
+            </a:r>
+            <a:r>
+              <a:rPr lang="zh-CN" altLang="en-US" sz="2500" b="1" dirty="0" smtClean="0">
+                <a:solidFill>
+                  <a:srgbClr val="FF9900"/>
+                </a:solidFill>
+                <a:latin typeface="微软雅黑" panose="020B0503020204020204" pitchFamily="34" charset="-122"/>
+                <a:ea typeface="微软雅黑" panose="020B0503020204020204" pitchFamily="34" charset="-122"/>
+              </a:rPr>
+              <a:t>你</a:t>
             </a:r>
             <a:r>
               <a:rPr lang="zh-CN" altLang="en-US" sz="2500" b="1" dirty="0">
@@ -27453,7 +27463,7 @@
                 <a:latin typeface="微软雅黑" panose="020B0503020204020204" pitchFamily="34" charset="-122"/>
                 <a:ea typeface="微软雅黑" panose="020B0503020204020204" pitchFamily="34" charset="-122"/>
               </a:rPr>
-              <a:t>你得将自己的思想提炼出来，用别人能听得懂的方式说出来。</a:t>
+              <a:t>得将自己的思想提炼出来，用别人能听得懂的方式说出来。</a:t>
             </a:r>
             <a:endParaRPr lang="zh-CN" altLang="en-US" sz="2500" dirty="0">
               <a:solidFill>
@@ -27473,7 +27483,7 @@
         </p:nvSpPr>
         <p:spPr>
           <a:xfrm>
-            <a:off x="3836656" y="4116706"/>
+            <a:off x="4210856" y="4116706"/>
             <a:ext cx="933042" cy="1853872"/>
           </a:xfrm>
           <a:prstGeom prst="roundRect">
@@ -27534,7 +27544,7 @@
         </p:nvSpPr>
         <p:spPr>
           <a:xfrm>
-            <a:off x="4918859" y="4116706"/>
+            <a:off x="5293059" y="4116706"/>
             <a:ext cx="933042" cy="1853872"/>
           </a:xfrm>
           <a:prstGeom prst="roundRect">
@@ -27595,7 +27605,7 @@
         </p:nvSpPr>
         <p:spPr>
           <a:xfrm>
-            <a:off x="6001062" y="4116706"/>
+            <a:off x="6375262" y="4116706"/>
             <a:ext cx="933042" cy="1853872"/>
           </a:xfrm>
           <a:prstGeom prst="roundRect">
@@ -27656,7 +27666,7 @@
         </p:nvSpPr>
         <p:spPr>
           <a:xfrm>
-            <a:off x="4006942" y="4646514"/>
+            <a:off x="4381142" y="4646514"/>
             <a:ext cx="591854" cy="627319"/>
           </a:xfrm>
           <a:prstGeom prst="rect">
@@ -27893,7 +27903,7 @@
         </p:nvSpPr>
         <p:spPr>
           <a:xfrm>
-            <a:off x="4929181" y="4547715"/>
+            <a:off x="5303381" y="4547715"/>
             <a:ext cx="912142" cy="824887"/>
           </a:xfrm>
           <a:prstGeom prst="rect">
@@ -28098,7 +28108,7 @@
         </p:nvSpPr>
         <p:spPr>
           <a:xfrm>
-            <a:off x="6011559" y="4630806"/>
+            <a:off x="6385759" y="4630806"/>
             <a:ext cx="912142" cy="824887"/>
           </a:xfrm>
           <a:prstGeom prst="rect">
@@ -28309,11 +28319,11 @@
           <p:nvPr/>
         </p:nvPicPr>
         <p:blipFill>
-          <a:blip r:embed="rId2" cstate="screen">
+          <a:blip r:embed="rId3" cstate="screen">
             <a:extLst>
               <a:ext uri="{BEBA8EAE-BF5A-486C-A8C5-ECC9F3942E4B}">
                 <a14:imgProps xmlns:a14="http://schemas.microsoft.com/office/drawing/2010/main">
-                  <a14:imgLayer r:embed="rId3">
+                  <a14:imgLayer r:embed="rId4">
                     <a14:imgEffect>
                       <a14:saturation sat="0"/>
                     </a14:imgEffect>
